--- a/docs/diagrams/WhiteBlackDiagrams/HighLevelSequenceDiagrams.pptx
+++ b/docs/diagrams/WhiteBlackDiagrams/HighLevelSequenceDiagrams.pptx
@@ -3442,186 +3442,44 @@
           <a:chExt cx="0" cy="0"/>
         </a:xfrm>
       </p:grpSpPr>
-      <p:sp>
-        <p:nvSpPr>
-          <p:cNvPr id="2" name="Rectangle 62"/>
-          <p:cNvSpPr/>
-          <p:nvPr/>
-        </p:nvSpPr>
-        <p:spPr>
-          <a:xfrm>
-            <a:off x="1111860" y="607926"/>
-            <a:ext cx="1093635" cy="346760"/>
-          </a:xfrm>
-          <a:prstGeom prst="rect">
-            <a:avLst/>
-          </a:prstGeom>
-          <a:solidFill>
-            <a:schemeClr val="bg1"/>
-          </a:solidFill>
-          <a:ln w="19050">
-            <a:solidFill>
-              <a:schemeClr val="tx1"/>
-            </a:solidFill>
-          </a:ln>
-          <a:effectLst/>
-        </p:spPr>
-        <p:style>
-          <a:lnRef idx="1">
-            <a:schemeClr val="accent2"/>
-          </a:lnRef>
-          <a:fillRef idx="2">
-            <a:schemeClr val="accent2"/>
-          </a:fillRef>
-          <a:effectRef idx="1">
-            <a:schemeClr val="accent2"/>
-          </a:effectRef>
-          <a:fontRef idx="minor">
-            <a:schemeClr val="dk1"/>
-          </a:fontRef>
-        </p:style>
-        <p:txBody>
-          <a:bodyPr rtlCol="0" anchor="ctr"/>
-          <a:lstStyle/>
-          <a:p>
-            <a:pPr algn="ctr"/>
-            <a:r>
-              <a:rPr lang="en-US" sz="1600" dirty="0">
-                <a:solidFill>
-                  <a:schemeClr val="tx1"/>
-                </a:solidFill>
-              </a:rPr>
-              <a:t>:UI</a:t>
-            </a:r>
-            <a:endParaRPr lang="en-SG" sz="1600" dirty="0">
-              <a:solidFill>
-                <a:schemeClr val="tx1"/>
-              </a:solidFill>
-            </a:endParaRPr>
-          </a:p>
-        </p:txBody>
-      </p:sp>
-      <p:cxnSp>
-        <p:nvCxnSpPr>
-          <p:cNvPr id="5" name="Straight Connector 4"/>
-          <p:cNvCxnSpPr/>
-          <p:nvPr/>
-        </p:nvCxnSpPr>
-        <p:spPr>
-          <a:xfrm>
-            <a:off x="1658677" y="971597"/>
-            <a:ext cx="0" cy="1723059"/>
-          </a:xfrm>
-          <a:prstGeom prst="line">
-            <a:avLst/>
-          </a:prstGeom>
-          <a:ln w="19050">
-            <a:solidFill>
-              <a:schemeClr val="tx1"/>
-            </a:solidFill>
-            <a:prstDash val="sysDash"/>
-          </a:ln>
-          <a:effectLst/>
-        </p:spPr>
-        <p:style>
-          <a:lnRef idx="1">
-            <a:schemeClr val="accent1"/>
-          </a:lnRef>
-          <a:fillRef idx="2">
-            <a:schemeClr val="accent1"/>
-          </a:fillRef>
-          <a:effectRef idx="1">
-            <a:schemeClr val="accent1"/>
-          </a:effectRef>
-          <a:fontRef idx="minor">
-            <a:schemeClr val="dk1"/>
-          </a:fontRef>
-        </p:style>
-      </p:cxnSp>
-      <p:sp>
-        <p:nvSpPr>
-          <p:cNvPr id="6" name="Rectangle 5"/>
-          <p:cNvSpPr/>
-          <p:nvPr/>
-        </p:nvSpPr>
-        <p:spPr>
-          <a:xfrm>
-            <a:off x="1586669" y="1322292"/>
-            <a:ext cx="152400" cy="1019910"/>
-          </a:xfrm>
-          <a:prstGeom prst="rect">
-            <a:avLst/>
-          </a:prstGeom>
-          <a:solidFill>
-            <a:schemeClr val="bg1"/>
-          </a:solidFill>
-          <a:ln>
-            <a:solidFill>
-              <a:schemeClr val="tx1"/>
-            </a:solidFill>
-          </a:ln>
-          <a:effectLst/>
-        </p:spPr>
-        <p:style>
-          <a:lnRef idx="1">
-            <a:schemeClr val="accent3"/>
-          </a:lnRef>
-          <a:fillRef idx="2">
-            <a:schemeClr val="accent3"/>
-          </a:fillRef>
-          <a:effectRef idx="1">
-            <a:schemeClr val="accent3"/>
-          </a:effectRef>
-          <a:fontRef idx="minor">
-            <a:schemeClr val="dk1"/>
-          </a:fontRef>
-        </p:style>
-        <p:txBody>
-          <a:bodyPr rtlCol="0" anchor="ctr"/>
-          <a:lstStyle/>
-          <a:p>
-            <a:pPr algn="ctr"/>
-            <a:endParaRPr lang="en-SG" sz="1400">
-              <a:solidFill>
-                <a:schemeClr val="tx1"/>
-              </a:solidFill>
-            </a:endParaRPr>
-          </a:p>
-        </p:txBody>
-      </p:sp>
       <p:grpSp>
         <p:nvGrpSpPr>
-          <p:cNvPr id="7" name="Actor"/>
+          <p:cNvPr id="3" name="Group 2">
+            <a:extLst>
+              <a:ext uri="{FF2B5EF4-FFF2-40B4-BE49-F238E27FC236}">
+                <a16:creationId xmlns:a16="http://schemas.microsoft.com/office/drawing/2014/main" id="{60CDFDB4-F900-E345-9867-CF45631C3599}"/>
+              </a:ext>
+            </a:extLst>
+          </p:cNvPr>
           <p:cNvGrpSpPr/>
           <p:nvPr/>
         </p:nvGrpSpPr>
         <p:grpSpPr>
           <a:xfrm>
             <a:off x="152400" y="533400"/>
-            <a:ext cx="324036" cy="573410"/>
-            <a:chOff x="3239901" y="4149080"/>
-            <a:chExt cx="648072" cy="1146820"/>
+            <a:ext cx="8915400" cy="2164943"/>
+            <a:chOff x="152400" y="533400"/>
+            <a:chExt cx="8915400" cy="2164943"/>
           </a:xfrm>
-          <a:solidFill>
-            <a:schemeClr val="bg1"/>
-          </a:solidFill>
         </p:grpSpPr>
         <p:sp>
           <p:nvSpPr>
-            <p:cNvPr id="8" name="Flowchart: Connector 7"/>
+            <p:cNvPr id="2" name="Rectangle 62"/>
             <p:cNvSpPr/>
             <p:nvPr/>
           </p:nvSpPr>
           <p:spPr>
             <a:xfrm>
-              <a:off x="3419872" y="4149080"/>
-              <a:ext cx="288032" cy="288032"/>
+              <a:off x="1111860" y="607926"/>
+              <a:ext cx="1093635" cy="346760"/>
             </a:xfrm>
-            <a:prstGeom prst="flowChartConnector">
+            <a:prstGeom prst="rect">
               <a:avLst/>
             </a:prstGeom>
-            <a:grpFill/>
-            <a:ln w="28575">
+            <a:solidFill>
+              <a:schemeClr val="bg1"/>
+            </a:solidFill>
+            <a:ln w="19050">
               <a:solidFill>
                 <a:schemeClr val="tx1"/>
               </a:solidFill>
@@ -3630,13 +3488,13 @@
           </p:spPr>
           <p:style>
             <a:lnRef idx="1">
-              <a:schemeClr val="accent4"/>
+              <a:schemeClr val="accent2"/>
             </a:lnRef>
             <a:fillRef idx="2">
-              <a:schemeClr val="accent4"/>
+              <a:schemeClr val="accent2"/>
             </a:fillRef>
             <a:effectRef idx="1">
-              <a:schemeClr val="accent4"/>
+              <a:schemeClr val="accent2"/>
             </a:effectRef>
             <a:fontRef idx="minor">
               <a:schemeClr val="dk1"/>
@@ -3647,7 +3505,15 @@
             <a:lstStyle/>
             <a:p>
               <a:pPr algn="ctr"/>
-              <a:endParaRPr lang="en-SG">
+              <a:r>
+                <a:rPr lang="en-US" sz="1600" dirty="0">
+                  <a:solidFill>
+                    <a:schemeClr val="tx1"/>
+                  </a:solidFill>
+                </a:rPr>
+                <a:t>:UI</a:t>
+              </a:r>
+              <a:endParaRPr lang="en-SG" sz="1600" dirty="0">
                 <a:solidFill>
                   <a:schemeClr val="tx1"/>
                 </a:solidFill>
@@ -3657,37 +3523,35 @@
         </p:sp>
         <p:cxnSp>
           <p:nvCxnSpPr>
-            <p:cNvPr id="9" name="Straight Connector 8"/>
-            <p:cNvCxnSpPr>
-              <a:stCxn id="8" idx="4"/>
-            </p:cNvCxnSpPr>
+            <p:cNvPr id="5" name="Straight Connector 4"/>
+            <p:cNvCxnSpPr/>
             <p:nvPr/>
           </p:nvCxnSpPr>
           <p:spPr>
             <a:xfrm>
-              <a:off x="3563888" y="4437112"/>
-              <a:ext cx="0" cy="504056"/>
+              <a:off x="1658677" y="971597"/>
+              <a:ext cx="0" cy="1723059"/>
             </a:xfrm>
             <a:prstGeom prst="line">
               <a:avLst/>
             </a:prstGeom>
-            <a:grpFill/>
-            <a:ln w="28575">
+            <a:ln w="19050">
               <a:solidFill>
                 <a:schemeClr val="tx1"/>
               </a:solidFill>
+              <a:prstDash val="sysDash"/>
             </a:ln>
             <a:effectLst/>
           </p:spPr>
           <p:style>
             <a:lnRef idx="1">
-              <a:schemeClr val="accent4"/>
+              <a:schemeClr val="accent1"/>
             </a:lnRef>
             <a:fillRef idx="2">
-              <a:schemeClr val="accent4"/>
+              <a:schemeClr val="accent1"/>
             </a:fillRef>
             <a:effectRef idx="1">
-              <a:schemeClr val="accent4"/>
+              <a:schemeClr val="accent1"/>
             </a:effectRef>
             <a:fontRef idx="minor">
               <a:schemeClr val="dk1"/>
@@ -3696,1998 +3560,21 @@
         </p:cxnSp>
         <p:sp>
           <p:nvSpPr>
-            <p:cNvPr id="10" name="Freeform 9"/>
+            <p:cNvPr id="6" name="Rectangle 5"/>
             <p:cNvSpPr/>
             <p:nvPr/>
           </p:nvSpPr>
           <p:spPr>
             <a:xfrm>
-              <a:off x="3324225" y="4933950"/>
-              <a:ext cx="479425" cy="361950"/>
-            </a:xfrm>
-            <a:custGeom>
-              <a:avLst/>
-              <a:gdLst>
-                <a:gd name="connsiteX0" fmla="*/ 0 w 479425"/>
-                <a:gd name="connsiteY0" fmla="*/ 355600 h 361950"/>
-                <a:gd name="connsiteX1" fmla="*/ 241300 w 479425"/>
-                <a:gd name="connsiteY1" fmla="*/ 0 h 361950"/>
-                <a:gd name="connsiteX2" fmla="*/ 479425 w 479425"/>
-                <a:gd name="connsiteY2" fmla="*/ 361950 h 361950"/>
-              </a:gdLst>
-              <a:ahLst/>
-              <a:cxnLst>
-                <a:cxn ang="0">
-                  <a:pos x="connsiteX0" y="connsiteY0"/>
-                </a:cxn>
-                <a:cxn ang="0">
-                  <a:pos x="connsiteX1" y="connsiteY1"/>
-                </a:cxn>
-                <a:cxn ang="0">
-                  <a:pos x="connsiteX2" y="connsiteY2"/>
-                </a:cxn>
-              </a:cxnLst>
-              <a:rect l="l" t="t" r="r" b="b"/>
-              <a:pathLst>
-                <a:path w="479425" h="361950">
-                  <a:moveTo>
-                    <a:pt x="0" y="355600"/>
-                  </a:moveTo>
-                  <a:lnTo>
-                    <a:pt x="241300" y="0"/>
-                  </a:lnTo>
-                  <a:lnTo>
-                    <a:pt x="479425" y="361950"/>
-                  </a:lnTo>
-                </a:path>
-              </a:pathLst>
-            </a:custGeom>
-            <a:grpFill/>
-            <a:ln w="28575">
-              <a:solidFill>
-                <a:schemeClr val="tx1"/>
-              </a:solidFill>
-            </a:ln>
-            <a:effectLst/>
-          </p:spPr>
-          <p:style>
-            <a:lnRef idx="1">
-              <a:schemeClr val="accent4"/>
-            </a:lnRef>
-            <a:fillRef idx="2">
-              <a:schemeClr val="accent4"/>
-            </a:fillRef>
-            <a:effectRef idx="1">
-              <a:schemeClr val="accent4"/>
-            </a:effectRef>
-            <a:fontRef idx="minor">
-              <a:schemeClr val="dk1"/>
-            </a:fontRef>
-          </p:style>
-          <p:txBody>
-            <a:bodyPr rtlCol="0" anchor="ctr"/>
-            <a:lstStyle/>
-            <a:p>
-              <a:pPr algn="ctr"/>
-              <a:endParaRPr lang="en-SG">
-                <a:solidFill>
-                  <a:schemeClr val="tx1"/>
-                </a:solidFill>
-              </a:endParaRPr>
-            </a:p>
-          </p:txBody>
-        </p:sp>
-        <p:cxnSp>
-          <p:nvCxnSpPr>
-            <p:cNvPr id="11" name="Straight Connector 10"/>
-            <p:cNvCxnSpPr/>
-            <p:nvPr/>
-          </p:nvCxnSpPr>
-          <p:spPr>
-            <a:xfrm>
-              <a:off x="3239901" y="4509120"/>
-              <a:ext cx="648072" cy="0"/>
-            </a:xfrm>
-            <a:prstGeom prst="line">
-              <a:avLst/>
-            </a:prstGeom>
-            <a:grpFill/>
-            <a:ln w="28575">
-              <a:solidFill>
-                <a:schemeClr val="tx1"/>
-              </a:solidFill>
-            </a:ln>
-            <a:effectLst/>
-          </p:spPr>
-          <p:style>
-            <a:lnRef idx="1">
-              <a:schemeClr val="accent4"/>
-            </a:lnRef>
-            <a:fillRef idx="2">
-              <a:schemeClr val="accent4"/>
-            </a:fillRef>
-            <a:effectRef idx="1">
-              <a:schemeClr val="accent4"/>
-            </a:effectRef>
-            <a:fontRef idx="minor">
-              <a:schemeClr val="dk1"/>
-            </a:fontRef>
-          </p:style>
-        </p:cxnSp>
-      </p:grpSp>
-      <p:sp>
-        <p:nvSpPr>
-          <p:cNvPr id="16" name="Rectangle 62"/>
-          <p:cNvSpPr/>
-          <p:nvPr/>
-        </p:nvSpPr>
-        <p:spPr>
-          <a:xfrm>
-            <a:off x="3335583" y="611613"/>
-            <a:ext cx="1093635" cy="346760"/>
-          </a:xfrm>
-          <a:prstGeom prst="rect">
-            <a:avLst/>
-          </a:prstGeom>
-          <a:solidFill>
-            <a:schemeClr val="bg1"/>
-          </a:solidFill>
-          <a:ln w="19050">
-            <a:solidFill>
-              <a:schemeClr val="tx1"/>
-            </a:solidFill>
-          </a:ln>
-          <a:effectLst/>
-        </p:spPr>
-        <p:style>
-          <a:lnRef idx="1">
-            <a:schemeClr val="accent2"/>
-          </a:lnRef>
-          <a:fillRef idx="2">
-            <a:schemeClr val="accent2"/>
-          </a:fillRef>
-          <a:effectRef idx="1">
-            <a:schemeClr val="accent2"/>
-          </a:effectRef>
-          <a:fontRef idx="minor">
-            <a:schemeClr val="dk1"/>
-          </a:fontRef>
-        </p:style>
-        <p:txBody>
-          <a:bodyPr rtlCol="0" anchor="ctr"/>
-          <a:lstStyle/>
-          <a:p>
-            <a:pPr algn="ctr"/>
-            <a:r>
-              <a:rPr lang="en-US" sz="1600" dirty="0">
-                <a:solidFill>
-                  <a:schemeClr val="tx1"/>
-                </a:solidFill>
-              </a:rPr>
-              <a:t>:Logic</a:t>
-            </a:r>
-            <a:endParaRPr lang="en-SG" sz="1600" dirty="0">
-              <a:solidFill>
-                <a:schemeClr val="tx1"/>
-              </a:solidFill>
-            </a:endParaRPr>
-          </a:p>
-        </p:txBody>
-      </p:sp>
-      <p:cxnSp>
-        <p:nvCxnSpPr>
-          <p:cNvPr id="17" name="Straight Connector 16"/>
-          <p:cNvCxnSpPr/>
-          <p:nvPr/>
-        </p:nvCxnSpPr>
-        <p:spPr>
-          <a:xfrm>
-            <a:off x="3882400" y="975284"/>
-            <a:ext cx="0" cy="1723059"/>
-          </a:xfrm>
-          <a:prstGeom prst="line">
-            <a:avLst/>
-          </a:prstGeom>
-          <a:ln w="19050">
-            <a:solidFill>
-              <a:schemeClr val="tx1"/>
-            </a:solidFill>
-            <a:prstDash val="sysDash"/>
-          </a:ln>
-          <a:effectLst/>
-        </p:spPr>
-        <p:style>
-          <a:lnRef idx="1">
-            <a:schemeClr val="accent1"/>
-          </a:lnRef>
-          <a:fillRef idx="2">
-            <a:schemeClr val="accent1"/>
-          </a:fillRef>
-          <a:effectRef idx="1">
-            <a:schemeClr val="accent1"/>
-          </a:effectRef>
-          <a:fontRef idx="minor">
-            <a:schemeClr val="dk1"/>
-          </a:fontRef>
-        </p:style>
-      </p:cxnSp>
-      <p:sp>
-        <p:nvSpPr>
-          <p:cNvPr id="18" name="Rectangle 17"/>
-          <p:cNvSpPr/>
-          <p:nvPr/>
-        </p:nvSpPr>
-        <p:spPr>
-          <a:xfrm>
-            <a:off x="3810392" y="1433477"/>
-            <a:ext cx="144016" cy="832525"/>
-          </a:xfrm>
-          <a:prstGeom prst="rect">
-            <a:avLst/>
-          </a:prstGeom>
-          <a:solidFill>
-            <a:schemeClr val="bg1"/>
-          </a:solidFill>
-          <a:ln>
-            <a:solidFill>
-              <a:schemeClr val="tx1"/>
-            </a:solidFill>
-          </a:ln>
-          <a:effectLst/>
-        </p:spPr>
-        <p:style>
-          <a:lnRef idx="1">
-            <a:schemeClr val="accent3"/>
-          </a:lnRef>
-          <a:fillRef idx="2">
-            <a:schemeClr val="accent3"/>
-          </a:fillRef>
-          <a:effectRef idx="1">
-            <a:schemeClr val="accent3"/>
-          </a:effectRef>
-          <a:fontRef idx="minor">
-            <a:schemeClr val="dk1"/>
-          </a:fontRef>
-        </p:style>
-        <p:txBody>
-          <a:bodyPr rtlCol="0" anchor="ctr"/>
-          <a:lstStyle/>
-          <a:p>
-            <a:pPr algn="ctr"/>
-            <a:endParaRPr lang="en-SG" sz="1400">
-              <a:solidFill>
-                <a:schemeClr val="tx1"/>
-              </a:solidFill>
-            </a:endParaRPr>
-          </a:p>
-        </p:txBody>
-      </p:sp>
-      <p:sp>
-        <p:nvSpPr>
-          <p:cNvPr id="19" name="Rectangle 62"/>
-          <p:cNvSpPr/>
-          <p:nvPr/>
-        </p:nvSpPr>
-        <p:spPr>
-          <a:xfrm>
-            <a:off x="5316783" y="607926"/>
-            <a:ext cx="1093635" cy="346760"/>
-          </a:xfrm>
-          <a:prstGeom prst="rect">
-            <a:avLst/>
-          </a:prstGeom>
-          <a:solidFill>
-            <a:schemeClr val="bg1"/>
-          </a:solidFill>
-          <a:ln w="19050">
-            <a:solidFill>
-              <a:schemeClr val="tx1"/>
-            </a:solidFill>
-          </a:ln>
-          <a:effectLst/>
-        </p:spPr>
-        <p:style>
-          <a:lnRef idx="1">
-            <a:schemeClr val="accent2"/>
-          </a:lnRef>
-          <a:fillRef idx="2">
-            <a:schemeClr val="accent2"/>
-          </a:fillRef>
-          <a:effectRef idx="1">
-            <a:schemeClr val="accent2"/>
-          </a:effectRef>
-          <a:fontRef idx="minor">
-            <a:schemeClr val="dk1"/>
-          </a:fontRef>
-        </p:style>
-        <p:txBody>
-          <a:bodyPr rtlCol="0" anchor="ctr"/>
-          <a:lstStyle/>
-          <a:p>
-            <a:pPr algn="ctr"/>
-            <a:r>
-              <a:rPr lang="en-US" sz="1600" dirty="0">
-                <a:solidFill>
-                  <a:schemeClr val="tx1"/>
-                </a:solidFill>
-              </a:rPr>
-              <a:t>:Model</a:t>
-            </a:r>
-            <a:endParaRPr lang="en-SG" sz="1600" dirty="0">
-              <a:solidFill>
-                <a:schemeClr val="tx1"/>
-              </a:solidFill>
-            </a:endParaRPr>
-          </a:p>
-        </p:txBody>
-      </p:sp>
-      <p:cxnSp>
-        <p:nvCxnSpPr>
-          <p:cNvPr id="20" name="Straight Connector 19"/>
-          <p:cNvCxnSpPr/>
-          <p:nvPr/>
-        </p:nvCxnSpPr>
-        <p:spPr>
-          <a:xfrm>
-            <a:off x="5863600" y="971597"/>
-            <a:ext cx="0" cy="1723059"/>
-          </a:xfrm>
-          <a:prstGeom prst="line">
-            <a:avLst/>
-          </a:prstGeom>
-          <a:ln w="19050">
-            <a:solidFill>
-              <a:schemeClr val="tx1"/>
-            </a:solidFill>
-            <a:prstDash val="sysDash"/>
-          </a:ln>
-          <a:effectLst/>
-        </p:spPr>
-        <p:style>
-          <a:lnRef idx="1">
-            <a:schemeClr val="accent1"/>
-          </a:lnRef>
-          <a:fillRef idx="2">
-            <a:schemeClr val="accent1"/>
-          </a:fillRef>
-          <a:effectRef idx="1">
-            <a:schemeClr val="accent1"/>
-          </a:effectRef>
-          <a:fontRef idx="minor">
-            <a:schemeClr val="dk1"/>
-          </a:fontRef>
-        </p:style>
-      </p:cxnSp>
-      <p:sp>
-        <p:nvSpPr>
-          <p:cNvPr id="21" name="Rectangle 20"/>
-          <p:cNvSpPr/>
-          <p:nvPr/>
-        </p:nvSpPr>
-        <p:spPr>
-          <a:xfrm>
-            <a:off x="5791592" y="1538408"/>
-            <a:ext cx="142006" cy="651394"/>
-          </a:xfrm>
-          <a:prstGeom prst="rect">
-            <a:avLst/>
-          </a:prstGeom>
-          <a:solidFill>
-            <a:schemeClr val="bg1"/>
-          </a:solidFill>
-          <a:ln>
-            <a:solidFill>
-              <a:schemeClr val="tx1"/>
-            </a:solidFill>
-          </a:ln>
-          <a:effectLst/>
-        </p:spPr>
-        <p:style>
-          <a:lnRef idx="1">
-            <a:schemeClr val="accent3"/>
-          </a:lnRef>
-          <a:fillRef idx="2">
-            <a:schemeClr val="accent3"/>
-          </a:fillRef>
-          <a:effectRef idx="1">
-            <a:schemeClr val="accent3"/>
-          </a:effectRef>
-          <a:fontRef idx="minor">
-            <a:schemeClr val="dk1"/>
-          </a:fontRef>
-        </p:style>
-        <p:txBody>
-          <a:bodyPr rtlCol="0" anchor="ctr"/>
-          <a:lstStyle/>
-          <a:p>
-            <a:pPr algn="ctr"/>
-            <a:endParaRPr lang="en-SG" sz="1400">
-              <a:solidFill>
-                <a:schemeClr val="tx1"/>
-              </a:solidFill>
-            </a:endParaRPr>
-          </a:p>
-        </p:txBody>
-      </p:sp>
-      <p:cxnSp>
-        <p:nvCxnSpPr>
-          <p:cNvPr id="23" name="Straight Arrow Connector 22"/>
-          <p:cNvCxnSpPr/>
-          <p:nvPr/>
-        </p:nvCxnSpPr>
-        <p:spPr>
-          <a:xfrm>
-            <a:off x="466818" y="1325979"/>
-            <a:ext cx="1119851" cy="0"/>
-          </a:xfrm>
-          <a:prstGeom prst="straightConnector1">
-            <a:avLst/>
-          </a:prstGeom>
-          <a:ln w="19050">
-            <a:solidFill>
-              <a:schemeClr val="tx1"/>
-            </a:solidFill>
-            <a:tailEnd type="arrow"/>
-          </a:ln>
-        </p:spPr>
-        <p:style>
-          <a:lnRef idx="1">
-            <a:schemeClr val="accent1"/>
-          </a:lnRef>
-          <a:fillRef idx="0">
-            <a:schemeClr val="accent1"/>
-          </a:fillRef>
-          <a:effectRef idx="0">
-            <a:schemeClr val="accent1"/>
-          </a:effectRef>
-          <a:fontRef idx="minor">
-            <a:schemeClr val="tx1"/>
-          </a:fontRef>
-        </p:style>
-      </p:cxnSp>
-      <p:sp>
-        <p:nvSpPr>
-          <p:cNvPr id="24" name="TextBox 23"/>
-          <p:cNvSpPr txBox="1"/>
-          <p:nvPr/>
-        </p:nvSpPr>
-        <p:spPr>
-          <a:xfrm>
-            <a:off x="466818" y="1345880"/>
-            <a:ext cx="860170" cy="215444"/>
-          </a:xfrm>
-          <a:prstGeom prst="rect">
-            <a:avLst/>
-          </a:prstGeom>
-          <a:solidFill>
-            <a:schemeClr val="bg1"/>
-          </a:solidFill>
-          <a:ln>
-            <a:solidFill>
-              <a:schemeClr val="bg1"/>
-            </a:solidFill>
-          </a:ln>
-        </p:spPr>
-        <p:txBody>
-          <a:bodyPr wrap="square" lIns="0" tIns="0" rIns="0" bIns="0" rtlCol="0">
-            <a:spAutoFit/>
-          </a:bodyPr>
-          <a:lstStyle/>
-          <a:p>
-            <a:r>
-              <a:rPr lang="en-US" sz="1400" dirty="0" err="1"/>
-              <a:t>deletec</a:t>
-            </a:r>
-            <a:r>
-              <a:rPr lang="en-US" sz="1400" dirty="0"/>
-              <a:t> 1</a:t>
-            </a:r>
-          </a:p>
-        </p:txBody>
-      </p:sp>
-      <p:cxnSp>
-        <p:nvCxnSpPr>
-          <p:cNvPr id="25" name="Straight Arrow Connector 24"/>
-          <p:cNvCxnSpPr/>
-          <p:nvPr/>
-        </p:nvCxnSpPr>
-        <p:spPr>
-          <a:xfrm>
-            <a:off x="1739069" y="1433478"/>
-            <a:ext cx="2071323" cy="0"/>
-          </a:xfrm>
-          <a:prstGeom prst="straightConnector1">
-            <a:avLst/>
-          </a:prstGeom>
-          <a:ln w="19050">
-            <a:solidFill>
-              <a:schemeClr val="tx1"/>
-            </a:solidFill>
-            <a:tailEnd type="arrow"/>
-          </a:ln>
-        </p:spPr>
-        <p:style>
-          <a:lnRef idx="1">
-            <a:schemeClr val="accent1"/>
-          </a:lnRef>
-          <a:fillRef idx="0">
-            <a:schemeClr val="accent1"/>
-          </a:fillRef>
-          <a:effectRef idx="0">
-            <a:schemeClr val="accent1"/>
-          </a:effectRef>
-          <a:fontRef idx="minor">
-            <a:schemeClr val="tx1"/>
-          </a:fontRef>
-        </p:style>
-      </p:cxnSp>
-      <p:sp>
-        <p:nvSpPr>
-          <p:cNvPr id="26" name="TextBox 25"/>
-          <p:cNvSpPr txBox="1"/>
-          <p:nvPr/>
-        </p:nvSpPr>
-        <p:spPr>
-          <a:xfrm>
-            <a:off x="2166172" y="1453379"/>
-            <a:ext cx="1611856" cy="215444"/>
-          </a:xfrm>
-          <a:prstGeom prst="rect">
-            <a:avLst/>
-          </a:prstGeom>
-          <a:solidFill>
-            <a:schemeClr val="bg1"/>
-          </a:solidFill>
-          <a:ln>
-            <a:solidFill>
-              <a:schemeClr val="bg1"/>
-            </a:solidFill>
-          </a:ln>
-        </p:spPr>
-        <p:txBody>
-          <a:bodyPr wrap="square" lIns="0" tIns="0" rIns="0" bIns="0" rtlCol="0">
-            <a:spAutoFit/>
-          </a:bodyPr>
-          <a:lstStyle/>
-          <a:p>
-            <a:r>
-              <a:rPr lang="en-US" sz="1400" dirty="0"/>
-              <a:t>execute(“</a:t>
-            </a:r>
-            <a:r>
-              <a:rPr lang="en-US" sz="1400" dirty="0" err="1"/>
-              <a:t>deletec</a:t>
-            </a:r>
-            <a:r>
-              <a:rPr lang="en-US" sz="1400" dirty="0"/>
-              <a:t> 1”)</a:t>
-            </a:r>
-          </a:p>
-        </p:txBody>
-      </p:sp>
-      <p:cxnSp>
-        <p:nvCxnSpPr>
-          <p:cNvPr id="28" name="Straight Arrow Connector 27"/>
-          <p:cNvCxnSpPr/>
-          <p:nvPr/>
-        </p:nvCxnSpPr>
-        <p:spPr>
-          <a:xfrm>
-            <a:off x="3954408" y="1538409"/>
-            <a:ext cx="1837184" cy="0"/>
-          </a:xfrm>
-          <a:prstGeom prst="straightConnector1">
-            <a:avLst/>
-          </a:prstGeom>
-          <a:ln w="19050">
-            <a:solidFill>
-              <a:schemeClr val="tx1"/>
-            </a:solidFill>
-            <a:tailEnd type="arrow"/>
-          </a:ln>
-        </p:spPr>
-        <p:style>
-          <a:lnRef idx="1">
-            <a:schemeClr val="accent1"/>
-          </a:lnRef>
-          <a:fillRef idx="0">
-            <a:schemeClr val="accent1"/>
-          </a:fillRef>
-          <a:effectRef idx="0">
-            <a:schemeClr val="accent1"/>
-          </a:effectRef>
-          <a:fontRef idx="minor">
-            <a:schemeClr val="tx1"/>
-          </a:fontRef>
-        </p:style>
-      </p:cxnSp>
-      <p:sp>
-        <p:nvSpPr>
-          <p:cNvPr id="29" name="TextBox 28"/>
-          <p:cNvSpPr txBox="1"/>
-          <p:nvPr/>
-        </p:nvSpPr>
-        <p:spPr>
-          <a:xfrm>
-            <a:off x="4299772" y="1564835"/>
-            <a:ext cx="1424846" cy="215444"/>
-          </a:xfrm>
-          <a:prstGeom prst="rect">
-            <a:avLst/>
-          </a:prstGeom>
-          <a:solidFill>
-            <a:schemeClr val="bg1"/>
-          </a:solidFill>
-          <a:ln>
-            <a:solidFill>
-              <a:schemeClr val="bg1"/>
-            </a:solidFill>
-          </a:ln>
-        </p:spPr>
-        <p:txBody>
-          <a:bodyPr wrap="square" lIns="0" tIns="0" rIns="0" bIns="0" rtlCol="0">
-            <a:spAutoFit/>
-          </a:bodyPr>
-          <a:lstStyle/>
-          <a:p>
-            <a:r>
-              <a:rPr lang="en-US" sz="1400" dirty="0" err="1"/>
-              <a:t>deleteCard</a:t>
-            </a:r>
-            <a:r>
-              <a:rPr lang="en-US" sz="1400" dirty="0"/>
-              <a:t>(p)</a:t>
-            </a:r>
-          </a:p>
-        </p:txBody>
-      </p:sp>
-      <p:sp>
-        <p:nvSpPr>
-          <p:cNvPr id="33" name="TextBox 32"/>
-          <p:cNvSpPr txBox="1"/>
-          <p:nvPr/>
-        </p:nvSpPr>
-        <p:spPr>
-          <a:xfrm>
-            <a:off x="6074030" y="1687656"/>
-            <a:ext cx="2438400" cy="215444"/>
-          </a:xfrm>
-          <a:prstGeom prst="rect">
-            <a:avLst/>
-          </a:prstGeom>
-          <a:solidFill>
-            <a:schemeClr val="bg1"/>
-          </a:solidFill>
-          <a:ln>
-            <a:solidFill>
-              <a:schemeClr val="bg1"/>
-            </a:solidFill>
-          </a:ln>
-        </p:spPr>
-        <p:txBody>
-          <a:bodyPr wrap="square" lIns="0" tIns="0" rIns="0" bIns="0" rtlCol="0">
-            <a:spAutoFit/>
-          </a:bodyPr>
-          <a:lstStyle/>
-          <a:p>
-            <a:r>
-              <a:rPr lang="en-US" sz="1400" dirty="0"/>
-              <a:t>post(</a:t>
-            </a:r>
-            <a:r>
-              <a:rPr lang="en-US" sz="1400" dirty="0" err="1"/>
-              <a:t>CardBankChangedEvent</a:t>
-            </a:r>
-            <a:r>
-              <a:rPr lang="en-US" sz="1400" dirty="0"/>
-              <a:t>)</a:t>
-            </a:r>
-          </a:p>
-        </p:txBody>
-      </p:sp>
-      <p:cxnSp>
-        <p:nvCxnSpPr>
-          <p:cNvPr id="34" name="Straight Arrow Connector 33"/>
-          <p:cNvCxnSpPr/>
-          <p:nvPr/>
-        </p:nvCxnSpPr>
-        <p:spPr>
-          <a:xfrm>
-            <a:off x="3954408" y="2190681"/>
-            <a:ext cx="1837184" cy="0"/>
-          </a:xfrm>
-          <a:prstGeom prst="straightConnector1">
-            <a:avLst/>
-          </a:prstGeom>
-          <a:ln w="19050">
-            <a:solidFill>
-              <a:schemeClr val="tx1"/>
-            </a:solidFill>
-            <a:prstDash val="sysDash"/>
-            <a:headEnd type="arrow" w="med" len="med"/>
-            <a:tailEnd type="none" w="med" len="med"/>
-          </a:ln>
-        </p:spPr>
-        <p:style>
-          <a:lnRef idx="1">
-            <a:schemeClr val="accent1"/>
-          </a:lnRef>
-          <a:fillRef idx="0">
-            <a:schemeClr val="accent1"/>
-          </a:fillRef>
-          <a:effectRef idx="0">
-            <a:schemeClr val="accent1"/>
-          </a:effectRef>
-          <a:fontRef idx="minor">
-            <a:schemeClr val="tx1"/>
-          </a:fontRef>
-        </p:style>
-      </p:cxnSp>
-      <p:cxnSp>
-        <p:nvCxnSpPr>
-          <p:cNvPr id="35" name="Straight Arrow Connector 34"/>
-          <p:cNvCxnSpPr/>
-          <p:nvPr/>
-        </p:nvCxnSpPr>
-        <p:spPr>
-          <a:xfrm>
-            <a:off x="1739069" y="2266002"/>
-            <a:ext cx="2058118" cy="0"/>
-          </a:xfrm>
-          <a:prstGeom prst="straightConnector1">
-            <a:avLst/>
-          </a:prstGeom>
-          <a:ln w="19050">
-            <a:solidFill>
-              <a:schemeClr val="tx1"/>
-            </a:solidFill>
-            <a:prstDash val="sysDash"/>
-            <a:headEnd type="arrow" w="med" len="med"/>
-            <a:tailEnd type="none" w="med" len="med"/>
-          </a:ln>
-        </p:spPr>
-        <p:style>
-          <a:lnRef idx="1">
-            <a:schemeClr val="accent1"/>
-          </a:lnRef>
-          <a:fillRef idx="0">
-            <a:schemeClr val="accent1"/>
-          </a:fillRef>
-          <a:effectRef idx="0">
-            <a:schemeClr val="accent1"/>
-          </a:effectRef>
-          <a:fontRef idx="minor">
-            <a:schemeClr val="tx1"/>
-          </a:fontRef>
-        </p:style>
-      </p:cxnSp>
-      <p:cxnSp>
-        <p:nvCxnSpPr>
-          <p:cNvPr id="37" name="Straight Arrow Connector 36"/>
-          <p:cNvCxnSpPr/>
-          <p:nvPr/>
-        </p:nvCxnSpPr>
-        <p:spPr>
-          <a:xfrm>
-            <a:off x="390618" y="2342202"/>
-            <a:ext cx="1196051" cy="0"/>
-          </a:xfrm>
-          <a:prstGeom prst="straightConnector1">
-            <a:avLst/>
-          </a:prstGeom>
-          <a:ln w="19050">
-            <a:solidFill>
-              <a:schemeClr val="tx1"/>
-            </a:solidFill>
-            <a:prstDash val="sysDash"/>
-            <a:headEnd type="arrow" w="med" len="med"/>
-            <a:tailEnd type="none" w="med" len="med"/>
-          </a:ln>
-        </p:spPr>
-        <p:style>
-          <a:lnRef idx="1">
-            <a:schemeClr val="accent1"/>
-          </a:lnRef>
-          <a:fillRef idx="0">
-            <a:schemeClr val="accent1"/>
-          </a:fillRef>
-          <a:effectRef idx="0">
-            <a:schemeClr val="accent1"/>
-          </a:effectRef>
-          <a:fontRef idx="minor">
-            <a:schemeClr val="tx1"/>
-          </a:fontRef>
-        </p:style>
-      </p:cxnSp>
-      <p:sp>
-        <p:nvSpPr>
-          <p:cNvPr id="39" name="Rectangle 62"/>
-          <p:cNvSpPr/>
-          <p:nvPr/>
-        </p:nvSpPr>
-        <p:spPr>
-          <a:xfrm>
-            <a:off x="7696200" y="591251"/>
-            <a:ext cx="1371600" cy="346760"/>
-          </a:xfrm>
-          <a:prstGeom prst="rect">
-            <a:avLst/>
-          </a:prstGeom>
-          <a:solidFill>
-            <a:schemeClr val="bg1"/>
-          </a:solidFill>
-          <a:ln w="19050">
-            <a:solidFill>
-              <a:schemeClr val="tx1"/>
-            </a:solidFill>
-          </a:ln>
-          <a:effectLst/>
-        </p:spPr>
-        <p:style>
-          <a:lnRef idx="1">
-            <a:schemeClr val="accent2"/>
-          </a:lnRef>
-          <a:fillRef idx="2">
-            <a:schemeClr val="accent2"/>
-          </a:fillRef>
-          <a:effectRef idx="1">
-            <a:schemeClr val="accent2"/>
-          </a:effectRef>
-          <a:fontRef idx="minor">
-            <a:schemeClr val="dk1"/>
-          </a:fontRef>
-        </p:style>
-        <p:txBody>
-          <a:bodyPr rtlCol="0" anchor="ctr"/>
-          <a:lstStyle/>
-          <a:p>
-            <a:pPr algn="ctr"/>
-            <a:r>
-              <a:rPr lang="en-US" sz="1600" dirty="0">
-                <a:solidFill>
-                  <a:schemeClr val="tx1"/>
-                </a:solidFill>
-              </a:rPr>
-              <a:t>:</a:t>
-            </a:r>
-            <a:r>
-              <a:rPr lang="en-US" sz="1600" dirty="0" err="1">
-                <a:solidFill>
-                  <a:schemeClr val="tx1"/>
-                </a:solidFill>
-              </a:rPr>
-              <a:t>EventsCenter</a:t>
-            </a:r>
-            <a:endParaRPr lang="en-SG" sz="1600" dirty="0">
-              <a:solidFill>
-                <a:schemeClr val="tx1"/>
-              </a:solidFill>
-            </a:endParaRPr>
-          </a:p>
-        </p:txBody>
-      </p:sp>
-      <p:cxnSp>
-        <p:nvCxnSpPr>
-          <p:cNvPr id="40" name="Straight Connector 39"/>
-          <p:cNvCxnSpPr/>
-          <p:nvPr/>
-        </p:nvCxnSpPr>
-        <p:spPr>
-          <a:xfrm>
-            <a:off x="8616802" y="944305"/>
-            <a:ext cx="0" cy="1723059"/>
-          </a:xfrm>
-          <a:prstGeom prst="line">
-            <a:avLst/>
-          </a:prstGeom>
-          <a:ln w="19050">
-            <a:solidFill>
-              <a:schemeClr val="tx1"/>
-            </a:solidFill>
-            <a:prstDash val="sysDash"/>
-          </a:ln>
-          <a:effectLst/>
-        </p:spPr>
-        <p:style>
-          <a:lnRef idx="1">
-            <a:schemeClr val="accent1"/>
-          </a:lnRef>
-          <a:fillRef idx="2">
-            <a:schemeClr val="accent1"/>
-          </a:fillRef>
-          <a:effectRef idx="1">
-            <a:schemeClr val="accent1"/>
-          </a:effectRef>
-          <a:fontRef idx="minor">
-            <a:schemeClr val="dk1"/>
-          </a:fontRef>
-        </p:style>
-      </p:cxnSp>
-      <p:sp>
-        <p:nvSpPr>
-          <p:cNvPr id="41" name="Rectangle 40"/>
-          <p:cNvSpPr/>
-          <p:nvPr/>
-        </p:nvSpPr>
-        <p:spPr>
-          <a:xfrm>
-            <a:off x="8544794" y="1961202"/>
-            <a:ext cx="142006" cy="176787"/>
-          </a:xfrm>
-          <a:prstGeom prst="rect">
-            <a:avLst/>
-          </a:prstGeom>
-          <a:solidFill>
-            <a:schemeClr val="bg1"/>
-          </a:solidFill>
-          <a:ln>
-            <a:solidFill>
-              <a:schemeClr val="tx1"/>
-            </a:solidFill>
-          </a:ln>
-          <a:effectLst/>
-        </p:spPr>
-        <p:style>
-          <a:lnRef idx="1">
-            <a:schemeClr val="accent3"/>
-          </a:lnRef>
-          <a:fillRef idx="2">
-            <a:schemeClr val="accent3"/>
-          </a:fillRef>
-          <a:effectRef idx="1">
-            <a:schemeClr val="accent3"/>
-          </a:effectRef>
-          <a:fontRef idx="minor">
-            <a:schemeClr val="dk1"/>
-          </a:fontRef>
-        </p:style>
-        <p:txBody>
-          <a:bodyPr rtlCol="0" anchor="ctr"/>
-          <a:lstStyle/>
-          <a:p>
-            <a:pPr algn="ctr"/>
-            <a:endParaRPr lang="en-SG" sz="1400">
-              <a:solidFill>
-                <a:schemeClr val="tx1"/>
-              </a:solidFill>
-            </a:endParaRPr>
-          </a:p>
-        </p:txBody>
-      </p:sp>
-      <p:cxnSp>
-        <p:nvCxnSpPr>
-          <p:cNvPr id="42" name="Straight Arrow Connector 41"/>
-          <p:cNvCxnSpPr/>
-          <p:nvPr/>
-        </p:nvCxnSpPr>
-        <p:spPr>
-          <a:xfrm>
-            <a:off x="5943992" y="1961202"/>
-            <a:ext cx="2568438" cy="0"/>
-          </a:xfrm>
-          <a:prstGeom prst="straightConnector1">
-            <a:avLst/>
-          </a:prstGeom>
-          <a:ln w="19050">
-            <a:solidFill>
-              <a:schemeClr val="tx1"/>
-            </a:solidFill>
-            <a:tailEnd type="arrow"/>
-          </a:ln>
-        </p:spPr>
-        <p:style>
-          <a:lnRef idx="1">
-            <a:schemeClr val="accent1"/>
-          </a:lnRef>
-          <a:fillRef idx="0">
-            <a:schemeClr val="accent1"/>
-          </a:fillRef>
-          <a:effectRef idx="0">
-            <a:schemeClr val="accent1"/>
-          </a:effectRef>
-          <a:fontRef idx="minor">
-            <a:schemeClr val="tx1"/>
-          </a:fontRef>
-        </p:style>
-      </p:cxnSp>
-      <p:cxnSp>
-        <p:nvCxnSpPr>
-          <p:cNvPr id="44" name="Straight Arrow Connector 43"/>
-          <p:cNvCxnSpPr/>
-          <p:nvPr/>
-        </p:nvCxnSpPr>
-        <p:spPr>
-          <a:xfrm>
-            <a:off x="5943992" y="2137989"/>
-            <a:ext cx="2549946" cy="0"/>
-          </a:xfrm>
-          <a:prstGeom prst="straightConnector1">
-            <a:avLst/>
-          </a:prstGeom>
-          <a:ln w="19050">
-            <a:solidFill>
-              <a:schemeClr val="tx1"/>
-            </a:solidFill>
-            <a:prstDash val="sysDash"/>
-            <a:headEnd type="arrow" w="med" len="med"/>
-            <a:tailEnd type="none" w="med" len="med"/>
-          </a:ln>
-        </p:spPr>
-        <p:style>
-          <a:lnRef idx="1">
-            <a:schemeClr val="accent1"/>
-          </a:lnRef>
-          <a:fillRef idx="0">
-            <a:schemeClr val="accent1"/>
-          </a:fillRef>
-          <a:effectRef idx="0">
-            <a:schemeClr val="accent1"/>
-          </a:effectRef>
-          <a:fontRef idx="minor">
-            <a:schemeClr val="tx1"/>
-          </a:fontRef>
-        </p:style>
-      </p:cxnSp>
-      <p:sp>
-        <p:nvSpPr>
-          <p:cNvPr id="53" name="Rectangle 62"/>
-          <p:cNvSpPr/>
-          <p:nvPr/>
-        </p:nvSpPr>
-        <p:spPr>
-          <a:xfrm>
-            <a:off x="7370178" y="4278322"/>
-            <a:ext cx="1093635" cy="346760"/>
-          </a:xfrm>
-          <a:prstGeom prst="rect">
-            <a:avLst/>
-          </a:prstGeom>
-          <a:solidFill>
-            <a:schemeClr val="bg1"/>
-          </a:solidFill>
-          <a:ln w="19050">
-            <a:solidFill>
-              <a:schemeClr val="tx1"/>
-            </a:solidFill>
-          </a:ln>
-          <a:effectLst/>
-        </p:spPr>
-        <p:style>
-          <a:lnRef idx="1">
-            <a:schemeClr val="accent2"/>
-          </a:lnRef>
-          <a:fillRef idx="2">
-            <a:schemeClr val="accent2"/>
-          </a:fillRef>
-          <a:effectRef idx="1">
-            <a:schemeClr val="accent2"/>
-          </a:effectRef>
-          <a:fontRef idx="minor">
-            <a:schemeClr val="dk1"/>
-          </a:fontRef>
-        </p:style>
-        <p:txBody>
-          <a:bodyPr rtlCol="0" anchor="ctr"/>
-          <a:lstStyle/>
-          <a:p>
-            <a:pPr algn="ctr"/>
-            <a:r>
-              <a:rPr lang="en-US" sz="1600" dirty="0">
-                <a:solidFill>
-                  <a:schemeClr val="tx1"/>
-                </a:solidFill>
-              </a:rPr>
-              <a:t>:Storage</a:t>
-            </a:r>
-            <a:endParaRPr lang="en-SG" sz="1600" dirty="0">
-              <a:solidFill>
-                <a:schemeClr val="tx1"/>
-              </a:solidFill>
-            </a:endParaRPr>
-          </a:p>
-        </p:txBody>
-      </p:sp>
-      <p:cxnSp>
-        <p:nvCxnSpPr>
-          <p:cNvPr id="54" name="Straight Connector 53"/>
-          <p:cNvCxnSpPr/>
-          <p:nvPr/>
-        </p:nvCxnSpPr>
-        <p:spPr>
-          <a:xfrm>
-            <a:off x="7916995" y="4641993"/>
-            <a:ext cx="0" cy="1723059"/>
-          </a:xfrm>
-          <a:prstGeom prst="line">
-            <a:avLst/>
-          </a:prstGeom>
-          <a:ln w="19050">
-            <a:solidFill>
-              <a:schemeClr val="tx1"/>
-            </a:solidFill>
-            <a:prstDash val="sysDash"/>
-          </a:ln>
-          <a:effectLst/>
-        </p:spPr>
-        <p:style>
-          <a:lnRef idx="1">
-            <a:schemeClr val="accent1"/>
-          </a:lnRef>
-          <a:fillRef idx="2">
-            <a:schemeClr val="accent1"/>
-          </a:fillRef>
-          <a:effectRef idx="1">
-            <a:schemeClr val="accent1"/>
-          </a:effectRef>
-          <a:fontRef idx="minor">
-            <a:schemeClr val="dk1"/>
-          </a:fontRef>
-        </p:style>
-      </p:cxnSp>
-      <p:sp>
-        <p:nvSpPr>
-          <p:cNvPr id="55" name="Rectangle 54"/>
-          <p:cNvSpPr/>
-          <p:nvPr/>
-        </p:nvSpPr>
-        <p:spPr>
-          <a:xfrm>
-            <a:off x="7844987" y="5335662"/>
-            <a:ext cx="124478" cy="287409"/>
-          </a:xfrm>
-          <a:prstGeom prst="rect">
-            <a:avLst/>
-          </a:prstGeom>
-          <a:solidFill>
-            <a:schemeClr val="bg1"/>
-          </a:solidFill>
-          <a:ln>
-            <a:solidFill>
-              <a:schemeClr val="tx1"/>
-            </a:solidFill>
-          </a:ln>
-          <a:effectLst/>
-        </p:spPr>
-        <p:style>
-          <a:lnRef idx="1">
-            <a:schemeClr val="accent3"/>
-          </a:lnRef>
-          <a:fillRef idx="2">
-            <a:schemeClr val="accent3"/>
-          </a:fillRef>
-          <a:effectRef idx="1">
-            <a:schemeClr val="accent3"/>
-          </a:effectRef>
-          <a:fontRef idx="minor">
-            <a:schemeClr val="dk1"/>
-          </a:fontRef>
-        </p:style>
-        <p:txBody>
-          <a:bodyPr rtlCol="0" anchor="ctr"/>
-          <a:lstStyle/>
-          <a:p>
-            <a:pPr algn="ctr"/>
-            <a:endParaRPr lang="en-SG" sz="1400">
-              <a:solidFill>
-                <a:schemeClr val="tx1"/>
-              </a:solidFill>
-            </a:endParaRPr>
-          </a:p>
-        </p:txBody>
-      </p:sp>
-      <p:sp>
-        <p:nvSpPr>
-          <p:cNvPr id="62" name="TextBox 61"/>
-          <p:cNvSpPr txBox="1"/>
-          <p:nvPr/>
-        </p:nvSpPr>
-        <p:spPr>
-          <a:xfrm>
-            <a:off x="1810094" y="4797674"/>
-            <a:ext cx="2716635" cy="215444"/>
-          </a:xfrm>
-          <a:prstGeom prst="rect">
-            <a:avLst/>
-          </a:prstGeom>
-          <a:solidFill>
-            <a:schemeClr val="bg1"/>
-          </a:solidFill>
-          <a:ln>
-            <a:solidFill>
-              <a:schemeClr val="bg1"/>
-            </a:solidFill>
-          </a:ln>
-        </p:spPr>
-        <p:txBody>
-          <a:bodyPr wrap="square" lIns="0" tIns="0" rIns="0" bIns="0" rtlCol="0">
-            <a:spAutoFit/>
-          </a:bodyPr>
-          <a:lstStyle/>
-          <a:p>
-            <a:r>
-              <a:rPr lang="en-US" sz="1400" dirty="0"/>
-              <a:t>post(</a:t>
-            </a:r>
-            <a:r>
-              <a:rPr lang="en-US" sz="1400" dirty="0" err="1"/>
-              <a:t>CardBankChangedEvent</a:t>
-            </a:r>
-            <a:r>
-              <a:rPr lang="en-US" sz="1400" dirty="0"/>
-              <a:t>)</a:t>
-            </a:r>
-          </a:p>
-        </p:txBody>
-      </p:sp>
-      <p:cxnSp>
-        <p:nvCxnSpPr>
-          <p:cNvPr id="63" name="Straight Arrow Connector 62"/>
-          <p:cNvCxnSpPr/>
-          <p:nvPr/>
-        </p:nvCxnSpPr>
-        <p:spPr>
-          <a:xfrm flipH="1">
-            <a:off x="4526729" y="5623071"/>
-            <a:ext cx="3383941" cy="0"/>
-          </a:xfrm>
-          <a:prstGeom prst="straightConnector1">
-            <a:avLst/>
-          </a:prstGeom>
-          <a:ln w="19050">
-            <a:solidFill>
-              <a:schemeClr val="tx1"/>
-            </a:solidFill>
-            <a:prstDash val="sysDash"/>
-            <a:headEnd type="none" w="med" len="med"/>
-            <a:tailEnd type="arrow" w="med" len="med"/>
-          </a:ln>
-        </p:spPr>
-        <p:style>
-          <a:lnRef idx="1">
-            <a:schemeClr val="accent1"/>
-          </a:lnRef>
-          <a:fillRef idx="0">
-            <a:schemeClr val="accent1"/>
-          </a:fillRef>
-          <a:effectRef idx="0">
-            <a:schemeClr val="accent1"/>
-          </a:effectRef>
-          <a:fontRef idx="minor">
-            <a:schemeClr val="tx1"/>
-          </a:fontRef>
-        </p:style>
-      </p:cxnSp>
-      <p:sp>
-        <p:nvSpPr>
-          <p:cNvPr id="66" name="Rectangle 62"/>
-          <p:cNvSpPr/>
-          <p:nvPr/>
-        </p:nvSpPr>
-        <p:spPr>
-          <a:xfrm>
-            <a:off x="3791146" y="4295233"/>
-            <a:ext cx="1371600" cy="346760"/>
-          </a:xfrm>
-          <a:prstGeom prst="rect">
-            <a:avLst/>
-          </a:prstGeom>
-          <a:solidFill>
-            <a:schemeClr val="bg1"/>
-          </a:solidFill>
-          <a:ln w="19050">
-            <a:solidFill>
-              <a:schemeClr val="tx1"/>
-            </a:solidFill>
-          </a:ln>
-          <a:effectLst/>
-        </p:spPr>
-        <p:style>
-          <a:lnRef idx="1">
-            <a:schemeClr val="accent2"/>
-          </a:lnRef>
-          <a:fillRef idx="2">
-            <a:schemeClr val="accent2"/>
-          </a:fillRef>
-          <a:effectRef idx="1">
-            <a:schemeClr val="accent2"/>
-          </a:effectRef>
-          <a:fontRef idx="minor">
-            <a:schemeClr val="dk1"/>
-          </a:fontRef>
-        </p:style>
-        <p:txBody>
-          <a:bodyPr rtlCol="0" anchor="ctr"/>
-          <a:lstStyle/>
-          <a:p>
-            <a:pPr algn="ctr"/>
-            <a:r>
-              <a:rPr lang="en-US" sz="1600" dirty="0">
-                <a:solidFill>
-                  <a:schemeClr val="tx1"/>
-                </a:solidFill>
-              </a:rPr>
-              <a:t>:</a:t>
-            </a:r>
-            <a:r>
-              <a:rPr lang="en-US" sz="1600" dirty="0" err="1">
-                <a:solidFill>
-                  <a:schemeClr val="tx1"/>
-                </a:solidFill>
-              </a:rPr>
-              <a:t>EventsCenter</a:t>
-            </a:r>
-            <a:endParaRPr lang="en-SG" sz="1600" dirty="0">
-              <a:solidFill>
-                <a:schemeClr val="tx1"/>
-              </a:solidFill>
-            </a:endParaRPr>
-          </a:p>
-        </p:txBody>
-      </p:sp>
-      <p:cxnSp>
-        <p:nvCxnSpPr>
-          <p:cNvPr id="67" name="Straight Connector 66"/>
-          <p:cNvCxnSpPr/>
-          <p:nvPr/>
-        </p:nvCxnSpPr>
-        <p:spPr>
-          <a:xfrm>
-            <a:off x="4456731" y="4648287"/>
-            <a:ext cx="0" cy="1723059"/>
-          </a:xfrm>
-          <a:prstGeom prst="line">
-            <a:avLst/>
-          </a:prstGeom>
-          <a:ln w="19050">
-            <a:solidFill>
-              <a:schemeClr val="tx1"/>
-            </a:solidFill>
-            <a:prstDash val="sysDash"/>
-          </a:ln>
-          <a:effectLst/>
-        </p:spPr>
-        <p:style>
-          <a:lnRef idx="1">
-            <a:schemeClr val="accent1"/>
-          </a:lnRef>
-          <a:fillRef idx="2">
-            <a:schemeClr val="accent1"/>
-          </a:fillRef>
-          <a:effectRef idx="1">
-            <a:schemeClr val="accent1"/>
-          </a:effectRef>
-          <a:fontRef idx="minor">
-            <a:schemeClr val="dk1"/>
-          </a:fontRef>
-        </p:style>
-      </p:cxnSp>
-      <p:sp>
-        <p:nvSpPr>
-          <p:cNvPr id="68" name="Rectangle 67"/>
-          <p:cNvSpPr/>
-          <p:nvPr/>
-        </p:nvSpPr>
-        <p:spPr>
-          <a:xfrm>
-            <a:off x="4384723" y="5071220"/>
-            <a:ext cx="142006" cy="1036757"/>
-          </a:xfrm>
-          <a:prstGeom prst="rect">
-            <a:avLst/>
-          </a:prstGeom>
-          <a:solidFill>
-            <a:schemeClr val="bg1"/>
-          </a:solidFill>
-          <a:ln>
-            <a:solidFill>
-              <a:schemeClr val="tx1"/>
-            </a:solidFill>
-          </a:ln>
-          <a:effectLst/>
-        </p:spPr>
-        <p:style>
-          <a:lnRef idx="1">
-            <a:schemeClr val="accent3"/>
-          </a:lnRef>
-          <a:fillRef idx="2">
-            <a:schemeClr val="accent3"/>
-          </a:fillRef>
-          <a:effectRef idx="1">
-            <a:schemeClr val="accent3"/>
-          </a:effectRef>
-          <a:fontRef idx="minor">
-            <a:schemeClr val="dk1"/>
-          </a:fontRef>
-        </p:style>
-        <p:txBody>
-          <a:bodyPr rtlCol="0" anchor="ctr"/>
-          <a:lstStyle/>
-          <a:p>
-            <a:pPr algn="ctr"/>
-            <a:endParaRPr lang="en-SG" sz="1400">
-              <a:solidFill>
-                <a:schemeClr val="tx1"/>
-              </a:solidFill>
-            </a:endParaRPr>
-          </a:p>
-        </p:txBody>
-      </p:sp>
-      <p:cxnSp>
-        <p:nvCxnSpPr>
-          <p:cNvPr id="69" name="Straight Arrow Connector 68"/>
-          <p:cNvCxnSpPr/>
-          <p:nvPr/>
-        </p:nvCxnSpPr>
-        <p:spPr>
-          <a:xfrm>
-            <a:off x="3078929" y="5071220"/>
-            <a:ext cx="1295400" cy="0"/>
-          </a:xfrm>
-          <a:prstGeom prst="straightConnector1">
-            <a:avLst/>
-          </a:prstGeom>
-          <a:ln w="19050">
-            <a:solidFill>
-              <a:schemeClr val="tx1"/>
-            </a:solidFill>
-            <a:tailEnd type="arrow"/>
-          </a:ln>
-        </p:spPr>
-        <p:style>
-          <a:lnRef idx="1">
-            <a:schemeClr val="accent1"/>
-          </a:lnRef>
-          <a:fillRef idx="0">
-            <a:schemeClr val="accent1"/>
-          </a:fillRef>
-          <a:effectRef idx="0">
-            <a:schemeClr val="accent1"/>
-          </a:effectRef>
-          <a:fontRef idx="minor">
-            <a:schemeClr val="tx1"/>
-          </a:fontRef>
-        </p:style>
-      </p:cxnSp>
-      <p:cxnSp>
-        <p:nvCxnSpPr>
-          <p:cNvPr id="70" name="Straight Arrow Connector 69"/>
-          <p:cNvCxnSpPr/>
-          <p:nvPr/>
-        </p:nvCxnSpPr>
-        <p:spPr>
-          <a:xfrm>
-            <a:off x="2975642" y="6107977"/>
-            <a:ext cx="1448755" cy="0"/>
-          </a:xfrm>
-          <a:prstGeom prst="straightConnector1">
-            <a:avLst/>
-          </a:prstGeom>
-          <a:ln w="19050">
-            <a:solidFill>
-              <a:schemeClr val="tx1"/>
-            </a:solidFill>
-            <a:prstDash val="sysDash"/>
-            <a:headEnd type="arrow" w="med" len="med"/>
-            <a:tailEnd type="none" w="med" len="med"/>
-          </a:ln>
-        </p:spPr>
-        <p:style>
-          <a:lnRef idx="1">
-            <a:schemeClr val="accent1"/>
-          </a:lnRef>
-          <a:fillRef idx="0">
-            <a:schemeClr val="accent1"/>
-          </a:fillRef>
-          <a:effectRef idx="0">
-            <a:schemeClr val="accent1"/>
-          </a:effectRef>
-          <a:fontRef idx="minor">
-            <a:schemeClr val="tx1"/>
-          </a:fontRef>
-        </p:style>
-      </p:cxnSp>
-      <p:cxnSp>
-        <p:nvCxnSpPr>
-          <p:cNvPr id="72" name="Straight Arrow Connector 71"/>
-          <p:cNvCxnSpPr/>
-          <p:nvPr/>
-        </p:nvCxnSpPr>
-        <p:spPr>
-          <a:xfrm>
-            <a:off x="4526729" y="5341014"/>
-            <a:ext cx="3318258" cy="0"/>
-          </a:xfrm>
-          <a:prstGeom prst="straightConnector1">
-            <a:avLst/>
-          </a:prstGeom>
-          <a:ln w="19050">
-            <a:solidFill>
-              <a:schemeClr val="tx1"/>
-            </a:solidFill>
-            <a:headEnd type="none" w="med" len="med"/>
-            <a:tailEnd type="arrow" w="med" len="med"/>
-          </a:ln>
-        </p:spPr>
-        <p:style>
-          <a:lnRef idx="1">
-            <a:schemeClr val="accent1"/>
-          </a:lnRef>
-          <a:fillRef idx="0">
-            <a:schemeClr val="accent1"/>
-          </a:fillRef>
-          <a:effectRef idx="0">
-            <a:schemeClr val="accent1"/>
-          </a:effectRef>
-          <a:fontRef idx="minor">
-            <a:schemeClr val="tx1"/>
-          </a:fontRef>
-        </p:style>
-      </p:cxnSp>
-      <p:sp>
-        <p:nvSpPr>
-          <p:cNvPr id="74" name="TextBox 73"/>
-          <p:cNvSpPr txBox="1"/>
-          <p:nvPr/>
-        </p:nvSpPr>
-        <p:spPr>
-          <a:xfrm>
-            <a:off x="5036330" y="5065911"/>
-            <a:ext cx="2659870" cy="215444"/>
-          </a:xfrm>
-          <a:prstGeom prst="rect">
-            <a:avLst/>
-          </a:prstGeom>
-          <a:solidFill>
-            <a:schemeClr val="bg1"/>
-          </a:solidFill>
-          <a:ln>
-            <a:solidFill>
-              <a:schemeClr val="bg1"/>
-            </a:solidFill>
-          </a:ln>
-        </p:spPr>
-        <p:txBody>
-          <a:bodyPr wrap="square" lIns="0" tIns="0" rIns="0" bIns="0" rtlCol="0">
-            <a:spAutoFit/>
-          </a:bodyPr>
-          <a:lstStyle/>
-          <a:p>
-            <a:r>
-              <a:rPr lang="en-US" sz="1400" dirty="0" err="1"/>
-              <a:t>handleCardBankChangedEvent</a:t>
-            </a:r>
-            <a:r>
-              <a:rPr lang="en-US" sz="1400" dirty="0"/>
-              <a:t>()</a:t>
-            </a:r>
-          </a:p>
-        </p:txBody>
-      </p:sp>
-      <p:cxnSp>
-        <p:nvCxnSpPr>
-          <p:cNvPr id="85" name="Straight Connector 84"/>
-          <p:cNvCxnSpPr/>
-          <p:nvPr/>
-        </p:nvCxnSpPr>
-        <p:spPr>
-          <a:xfrm flipH="1">
-            <a:off x="314394" y="1099672"/>
-            <a:ext cx="24" cy="1598671"/>
-          </a:xfrm>
-          <a:prstGeom prst="line">
-            <a:avLst/>
-          </a:prstGeom>
-          <a:ln w="19050">
-            <a:solidFill>
-              <a:schemeClr val="tx1"/>
-            </a:solidFill>
-            <a:prstDash val="sysDash"/>
-          </a:ln>
-          <a:effectLst/>
-        </p:spPr>
-        <p:style>
-          <a:lnRef idx="1">
-            <a:schemeClr val="accent1"/>
-          </a:lnRef>
-          <a:fillRef idx="2">
-            <a:schemeClr val="accent1"/>
-          </a:fillRef>
-          <a:effectRef idx="1">
-            <a:schemeClr val="accent1"/>
-          </a:effectRef>
-          <a:fontRef idx="minor">
-            <a:schemeClr val="dk1"/>
-          </a:fontRef>
-        </p:style>
-      </p:cxnSp>
-      <p:sp>
-        <p:nvSpPr>
-          <p:cNvPr id="45" name="Rectangle 62"/>
-          <p:cNvSpPr/>
-          <p:nvPr/>
-        </p:nvSpPr>
-        <p:spPr>
-          <a:xfrm>
-            <a:off x="721634" y="4278322"/>
-            <a:ext cx="1093635" cy="346760"/>
-          </a:xfrm>
-          <a:prstGeom prst="rect">
-            <a:avLst/>
-          </a:prstGeom>
-          <a:solidFill>
-            <a:schemeClr val="bg1"/>
-          </a:solidFill>
-          <a:ln w="19050">
-            <a:solidFill>
-              <a:schemeClr val="tx1"/>
-            </a:solidFill>
-          </a:ln>
-          <a:effectLst/>
-        </p:spPr>
-        <p:style>
-          <a:lnRef idx="1">
-            <a:schemeClr val="accent2"/>
-          </a:lnRef>
-          <a:fillRef idx="2">
-            <a:schemeClr val="accent2"/>
-          </a:fillRef>
-          <a:effectRef idx="1">
-            <a:schemeClr val="accent2"/>
-          </a:effectRef>
-          <a:fontRef idx="minor">
-            <a:schemeClr val="dk1"/>
-          </a:fontRef>
-        </p:style>
-        <p:txBody>
-          <a:bodyPr rtlCol="0" anchor="ctr"/>
-          <a:lstStyle/>
-          <a:p>
-            <a:pPr algn="ctr"/>
-            <a:r>
-              <a:rPr lang="en-US" sz="1600" dirty="0">
-                <a:solidFill>
-                  <a:schemeClr val="tx1"/>
-                </a:solidFill>
-              </a:rPr>
-              <a:t>:UI</a:t>
-            </a:r>
-            <a:endParaRPr lang="en-SG" sz="1600" dirty="0">
-              <a:solidFill>
-                <a:schemeClr val="tx1"/>
-              </a:solidFill>
-            </a:endParaRPr>
-          </a:p>
-        </p:txBody>
-      </p:sp>
-      <p:cxnSp>
-        <p:nvCxnSpPr>
-          <p:cNvPr id="46" name="Straight Connector 45"/>
-          <p:cNvCxnSpPr/>
-          <p:nvPr/>
-        </p:nvCxnSpPr>
-        <p:spPr>
-          <a:xfrm>
-            <a:off x="1268451" y="4641993"/>
-            <a:ext cx="0" cy="1723059"/>
-          </a:xfrm>
-          <a:prstGeom prst="line">
-            <a:avLst/>
-          </a:prstGeom>
-          <a:ln w="19050">
-            <a:solidFill>
-              <a:schemeClr val="tx1"/>
-            </a:solidFill>
-            <a:prstDash val="sysDash"/>
-          </a:ln>
-          <a:effectLst/>
-        </p:spPr>
-        <p:style>
-          <a:lnRef idx="1">
-            <a:schemeClr val="accent1"/>
-          </a:lnRef>
-          <a:fillRef idx="2">
-            <a:schemeClr val="accent1"/>
-          </a:fillRef>
-          <a:effectRef idx="1">
-            <a:schemeClr val="accent1"/>
-          </a:effectRef>
-          <a:fontRef idx="minor">
-            <a:schemeClr val="dk1"/>
-          </a:fontRef>
-        </p:style>
-      </p:cxnSp>
-      <p:sp>
-        <p:nvSpPr>
-          <p:cNvPr id="47" name="Rectangle 46"/>
-          <p:cNvSpPr/>
-          <p:nvPr/>
-        </p:nvSpPr>
-        <p:spPr>
-          <a:xfrm>
-            <a:off x="1196443" y="5670472"/>
-            <a:ext cx="130545" cy="273128"/>
-          </a:xfrm>
-          <a:prstGeom prst="rect">
-            <a:avLst/>
-          </a:prstGeom>
-          <a:solidFill>
-            <a:schemeClr val="bg1"/>
-          </a:solidFill>
-          <a:ln>
-            <a:solidFill>
-              <a:schemeClr val="tx1"/>
-            </a:solidFill>
-          </a:ln>
-          <a:effectLst/>
-        </p:spPr>
-        <p:style>
-          <a:lnRef idx="1">
-            <a:schemeClr val="accent3"/>
-          </a:lnRef>
-          <a:fillRef idx="2">
-            <a:schemeClr val="accent3"/>
-          </a:fillRef>
-          <a:effectRef idx="1">
-            <a:schemeClr val="accent3"/>
-          </a:effectRef>
-          <a:fontRef idx="minor">
-            <a:schemeClr val="dk1"/>
-          </a:fontRef>
-        </p:style>
-        <p:txBody>
-          <a:bodyPr rtlCol="0" anchor="ctr"/>
-          <a:lstStyle/>
-          <a:p>
-            <a:pPr algn="ctr"/>
-            <a:endParaRPr lang="en-SG" sz="1400">
-              <a:solidFill>
-                <a:schemeClr val="tx1"/>
-              </a:solidFill>
-            </a:endParaRPr>
-          </a:p>
-        </p:txBody>
-      </p:sp>
-      <p:cxnSp>
-        <p:nvCxnSpPr>
-          <p:cNvPr id="48" name="Straight Arrow Connector 47"/>
-          <p:cNvCxnSpPr/>
-          <p:nvPr/>
-        </p:nvCxnSpPr>
-        <p:spPr>
-          <a:xfrm flipH="1">
-            <a:off x="1348843" y="5943600"/>
-            <a:ext cx="3061842" cy="0"/>
-          </a:xfrm>
-          <a:prstGeom prst="straightConnector1">
-            <a:avLst/>
-          </a:prstGeom>
-          <a:ln w="19050">
-            <a:solidFill>
-              <a:schemeClr val="tx1"/>
-            </a:solidFill>
-            <a:prstDash val="sysDash"/>
-            <a:headEnd type="arrow" w="med" len="med"/>
-            <a:tailEnd type="none" w="med" len="med"/>
-          </a:ln>
-        </p:spPr>
-        <p:style>
-          <a:lnRef idx="1">
-            <a:schemeClr val="accent1"/>
-          </a:lnRef>
-          <a:fillRef idx="0">
-            <a:schemeClr val="accent1"/>
-          </a:fillRef>
-          <a:effectRef idx="0">
-            <a:schemeClr val="accent1"/>
-          </a:effectRef>
-          <a:fontRef idx="minor">
-            <a:schemeClr val="tx1"/>
-          </a:fontRef>
-        </p:style>
-      </p:cxnSp>
-      <p:cxnSp>
-        <p:nvCxnSpPr>
-          <p:cNvPr id="49" name="Straight Arrow Connector 48"/>
-          <p:cNvCxnSpPr/>
-          <p:nvPr/>
-        </p:nvCxnSpPr>
-        <p:spPr>
-          <a:xfrm>
-            <a:off x="1348843" y="5670472"/>
-            <a:ext cx="3061841" cy="0"/>
-          </a:xfrm>
-          <a:prstGeom prst="straightConnector1">
-            <a:avLst/>
-          </a:prstGeom>
-          <a:ln w="19050">
-            <a:solidFill>
-              <a:schemeClr val="tx1"/>
-            </a:solidFill>
-            <a:headEnd type="arrow" w="med" len="med"/>
-            <a:tailEnd type="none" w="med" len="med"/>
-          </a:ln>
-        </p:spPr>
-        <p:style>
-          <a:lnRef idx="1">
-            <a:schemeClr val="accent1"/>
-          </a:lnRef>
-          <a:fillRef idx="0">
-            <a:schemeClr val="accent1"/>
-          </a:fillRef>
-          <a:effectRef idx="0">
-            <a:schemeClr val="accent1"/>
-          </a:effectRef>
-          <a:fontRef idx="minor">
-            <a:schemeClr val="tx1"/>
-          </a:fontRef>
-        </p:style>
-      </p:cxnSp>
-      <p:sp>
-        <p:nvSpPr>
-          <p:cNvPr id="50" name="TextBox 49"/>
-          <p:cNvSpPr txBox="1"/>
-          <p:nvPr/>
-        </p:nvSpPr>
-        <p:spPr>
-          <a:xfrm>
-            <a:off x="1416276" y="5395369"/>
-            <a:ext cx="2659870" cy="215444"/>
-          </a:xfrm>
-          <a:prstGeom prst="rect">
-            <a:avLst/>
-          </a:prstGeom>
-          <a:solidFill>
-            <a:schemeClr val="bg1"/>
-          </a:solidFill>
-          <a:ln>
-            <a:solidFill>
-              <a:schemeClr val="bg1"/>
-            </a:solidFill>
-          </a:ln>
-        </p:spPr>
-        <p:txBody>
-          <a:bodyPr wrap="square" lIns="0" tIns="0" rIns="0" bIns="0" rtlCol="0">
-            <a:spAutoFit/>
-          </a:bodyPr>
-          <a:lstStyle/>
-          <a:p>
-            <a:r>
-              <a:rPr lang="en-US" sz="1400" dirty="0" err="1"/>
-              <a:t>handleCardBankChangedEvent</a:t>
-            </a:r>
-            <a:r>
-              <a:rPr lang="en-US" sz="1400" dirty="0"/>
-              <a:t>()</a:t>
-            </a:r>
-          </a:p>
-        </p:txBody>
-      </p:sp>
-      <p:grpSp>
-        <p:nvGrpSpPr>
-          <p:cNvPr id="13" name="Group 12"/>
-          <p:cNvGrpSpPr/>
-          <p:nvPr/>
-        </p:nvGrpSpPr>
-        <p:grpSpPr>
-          <a:xfrm>
-            <a:off x="1028134" y="5612032"/>
-            <a:ext cx="217349" cy="270072"/>
-            <a:chOff x="1028134" y="5612032"/>
-            <a:chExt cx="217349" cy="270072"/>
-          </a:xfrm>
-          <a:solidFill>
-            <a:schemeClr val="bg1"/>
-          </a:solidFill>
-        </p:grpSpPr>
-        <p:sp>
-          <p:nvSpPr>
-            <p:cNvPr id="12" name="Freeform 11"/>
-            <p:cNvSpPr/>
-            <p:nvPr/>
-          </p:nvSpPr>
-          <p:spPr>
-            <a:xfrm rot="2600998" flipH="1" flipV="1">
-              <a:off x="1028134" y="5612032"/>
-              <a:ext cx="167452" cy="116880"/>
-            </a:xfrm>
-            <a:custGeom>
-              <a:avLst/>
-              <a:gdLst>
-                <a:gd name="connsiteX0" fmla="*/ 0 w 226400"/>
-                <a:gd name="connsiteY0" fmla="*/ 32920 h 171466"/>
-                <a:gd name="connsiteX1" fmla="*/ 157018 w 226400"/>
-                <a:gd name="connsiteY1" fmla="*/ 5211 h 171466"/>
-                <a:gd name="connsiteX2" fmla="*/ 221673 w 226400"/>
-                <a:gd name="connsiteY2" fmla="*/ 125284 h 171466"/>
-                <a:gd name="connsiteX3" fmla="*/ 36945 w 226400"/>
-                <a:gd name="connsiteY3" fmla="*/ 171466 h 171466"/>
-              </a:gdLst>
-              <a:ahLst/>
-              <a:cxnLst>
-                <a:cxn ang="0">
-                  <a:pos x="connsiteX0" y="connsiteY0"/>
-                </a:cxn>
-                <a:cxn ang="0">
-                  <a:pos x="connsiteX1" y="connsiteY1"/>
-                </a:cxn>
-                <a:cxn ang="0">
-                  <a:pos x="connsiteX2" y="connsiteY2"/>
-                </a:cxn>
-                <a:cxn ang="0">
-                  <a:pos x="connsiteX3" y="connsiteY3"/>
-                </a:cxn>
-              </a:cxnLst>
-              <a:rect l="l" t="t" r="r" b="b"/>
-              <a:pathLst>
-                <a:path w="226400" h="171466">
-                  <a:moveTo>
-                    <a:pt x="0" y="32920"/>
-                  </a:moveTo>
-                  <a:cubicBezTo>
-                    <a:pt x="60036" y="11368"/>
-                    <a:pt x="120073" y="-10183"/>
-                    <a:pt x="157018" y="5211"/>
-                  </a:cubicBezTo>
-                  <a:cubicBezTo>
-                    <a:pt x="193963" y="20605"/>
-                    <a:pt x="241685" y="97575"/>
-                    <a:pt x="221673" y="125284"/>
-                  </a:cubicBezTo>
-                  <a:cubicBezTo>
-                    <a:pt x="201661" y="152993"/>
-                    <a:pt x="119303" y="162229"/>
-                    <a:pt x="36945" y="171466"/>
-                  </a:cubicBezTo>
-                </a:path>
-              </a:pathLst>
-            </a:custGeom>
-            <a:grpFill/>
-            <a:ln w="19050">
-              <a:solidFill>
-                <a:schemeClr val="tx1"/>
-              </a:solidFill>
-              <a:headEnd type="arrow" w="med" len="med"/>
-              <a:tailEnd type="none" w="med" len="med"/>
-            </a:ln>
-          </p:spPr>
-          <p:style>
-            <a:lnRef idx="1">
-              <a:schemeClr val="accent1"/>
-            </a:lnRef>
-            <a:fillRef idx="0">
-              <a:schemeClr val="accent1"/>
-            </a:fillRef>
-            <a:effectRef idx="0">
-              <a:schemeClr val="accent1"/>
-            </a:effectRef>
-            <a:fontRef idx="minor">
-              <a:schemeClr val="tx1"/>
-            </a:fontRef>
-          </p:style>
-          <p:txBody>
-            <a:bodyPr rtlCol="0" anchor="ctr"/>
-            <a:lstStyle/>
-            <a:p>
-              <a:pPr algn="ctr"/>
-              <a:endParaRPr lang="en-SG"/>
-            </a:p>
-          </p:txBody>
-        </p:sp>
-        <p:sp>
-          <p:nvSpPr>
-            <p:cNvPr id="56" name="Rectangle 55"/>
-            <p:cNvSpPr/>
-            <p:nvPr/>
-          </p:nvSpPr>
-          <p:spPr>
-            <a:xfrm>
-              <a:off x="1147403" y="5712513"/>
-              <a:ext cx="98080" cy="169591"/>
+              <a:off x="1586669" y="1322292"/>
+              <a:ext cx="152400" cy="1019910"/>
             </a:xfrm>
             <a:prstGeom prst="rect">
               <a:avLst/>
             </a:prstGeom>
-            <a:grpFill/>
+            <a:solidFill>
+              <a:schemeClr val="bg1"/>
+            </a:solidFill>
             <a:ln>
               <a:solidFill>
                 <a:schemeClr val="tx1"/>
@@ -5722,144 +3609,268 @@
             </a:p>
           </p:txBody>
         </p:sp>
-      </p:grpSp>
-      <p:sp>
-        <p:nvSpPr>
-          <p:cNvPr id="57" name="TextBox 56"/>
-          <p:cNvSpPr txBox="1"/>
-          <p:nvPr/>
-        </p:nvSpPr>
-        <p:spPr>
-          <a:xfrm>
-            <a:off x="194562" y="5444571"/>
-            <a:ext cx="794081" cy="430887"/>
-          </a:xfrm>
-          <a:prstGeom prst="rect">
-            <a:avLst/>
-          </a:prstGeom>
-          <a:solidFill>
-            <a:schemeClr val="bg1"/>
-          </a:solidFill>
-          <a:ln>
+        <p:grpSp>
+          <p:nvGrpSpPr>
+            <p:cNvPr id="7" name="Actor"/>
+            <p:cNvGrpSpPr/>
+            <p:nvPr/>
+          </p:nvGrpSpPr>
+          <p:grpSpPr>
+            <a:xfrm>
+              <a:off x="152400" y="533400"/>
+              <a:ext cx="324036" cy="573410"/>
+              <a:chOff x="3239901" y="4149080"/>
+              <a:chExt cx="648072" cy="1146820"/>
+            </a:xfrm>
             <a:solidFill>
               <a:schemeClr val="bg1"/>
             </a:solidFill>
-          </a:ln>
-        </p:spPr>
-        <p:txBody>
-          <a:bodyPr wrap="square" lIns="0" tIns="0" rIns="0" bIns="0" rtlCol="0">
-            <a:spAutoFit/>
-          </a:bodyPr>
-          <a:lstStyle/>
-          <a:p>
-            <a:pPr algn="r"/>
-            <a:r>
-              <a:rPr lang="en-US" sz="1400" dirty="0"/>
-              <a:t>Update status bar</a:t>
-            </a:r>
-          </a:p>
-        </p:txBody>
-      </p:sp>
-      <p:grpSp>
-        <p:nvGrpSpPr>
-          <p:cNvPr id="58" name="Group 57"/>
-          <p:cNvGrpSpPr/>
-          <p:nvPr/>
-        </p:nvGrpSpPr>
-        <p:grpSpPr>
-          <a:xfrm flipH="1">
-            <a:off x="7936842" y="5335662"/>
-            <a:ext cx="217349" cy="270072"/>
-            <a:chOff x="1028134" y="5612032"/>
-            <a:chExt cx="217349" cy="270072"/>
-          </a:xfrm>
-          <a:solidFill>
-            <a:schemeClr val="bg1"/>
-          </a:solidFill>
-        </p:grpSpPr>
+          </p:grpSpPr>
+          <p:sp>
+            <p:nvSpPr>
+              <p:cNvPr id="8" name="Flowchart: Connector 7"/>
+              <p:cNvSpPr/>
+              <p:nvPr/>
+            </p:nvSpPr>
+            <p:spPr>
+              <a:xfrm>
+                <a:off x="3419872" y="4149080"/>
+                <a:ext cx="288032" cy="288032"/>
+              </a:xfrm>
+              <a:prstGeom prst="flowChartConnector">
+                <a:avLst/>
+              </a:prstGeom>
+              <a:grpFill/>
+              <a:ln w="28575">
+                <a:solidFill>
+                  <a:schemeClr val="tx1"/>
+                </a:solidFill>
+              </a:ln>
+              <a:effectLst/>
+            </p:spPr>
+            <p:style>
+              <a:lnRef idx="1">
+                <a:schemeClr val="accent4"/>
+              </a:lnRef>
+              <a:fillRef idx="2">
+                <a:schemeClr val="accent4"/>
+              </a:fillRef>
+              <a:effectRef idx="1">
+                <a:schemeClr val="accent4"/>
+              </a:effectRef>
+              <a:fontRef idx="minor">
+                <a:schemeClr val="dk1"/>
+              </a:fontRef>
+            </p:style>
+            <p:txBody>
+              <a:bodyPr rtlCol="0" anchor="ctr"/>
+              <a:lstStyle/>
+              <a:p>
+                <a:pPr algn="ctr"/>
+                <a:endParaRPr lang="en-SG">
+                  <a:solidFill>
+                    <a:schemeClr val="tx1"/>
+                  </a:solidFill>
+                </a:endParaRPr>
+              </a:p>
+            </p:txBody>
+          </p:sp>
+          <p:cxnSp>
+            <p:nvCxnSpPr>
+              <p:cNvPr id="9" name="Straight Connector 8"/>
+              <p:cNvCxnSpPr>
+                <a:stCxn id="8" idx="4"/>
+              </p:cNvCxnSpPr>
+              <p:nvPr/>
+            </p:nvCxnSpPr>
+            <p:spPr>
+              <a:xfrm>
+                <a:off x="3563888" y="4437112"/>
+                <a:ext cx="0" cy="504056"/>
+              </a:xfrm>
+              <a:prstGeom prst="line">
+                <a:avLst/>
+              </a:prstGeom>
+              <a:grpFill/>
+              <a:ln w="28575">
+                <a:solidFill>
+                  <a:schemeClr val="tx1"/>
+                </a:solidFill>
+              </a:ln>
+              <a:effectLst/>
+            </p:spPr>
+            <p:style>
+              <a:lnRef idx="1">
+                <a:schemeClr val="accent4"/>
+              </a:lnRef>
+              <a:fillRef idx="2">
+                <a:schemeClr val="accent4"/>
+              </a:fillRef>
+              <a:effectRef idx="1">
+                <a:schemeClr val="accent4"/>
+              </a:effectRef>
+              <a:fontRef idx="minor">
+                <a:schemeClr val="dk1"/>
+              </a:fontRef>
+            </p:style>
+          </p:cxnSp>
+          <p:sp>
+            <p:nvSpPr>
+              <p:cNvPr id="10" name="Freeform 9"/>
+              <p:cNvSpPr/>
+              <p:nvPr/>
+            </p:nvSpPr>
+            <p:spPr>
+              <a:xfrm>
+                <a:off x="3324225" y="4933950"/>
+                <a:ext cx="479425" cy="361950"/>
+              </a:xfrm>
+              <a:custGeom>
+                <a:avLst/>
+                <a:gdLst>
+                  <a:gd name="connsiteX0" fmla="*/ 0 w 479425"/>
+                  <a:gd name="connsiteY0" fmla="*/ 355600 h 361950"/>
+                  <a:gd name="connsiteX1" fmla="*/ 241300 w 479425"/>
+                  <a:gd name="connsiteY1" fmla="*/ 0 h 361950"/>
+                  <a:gd name="connsiteX2" fmla="*/ 479425 w 479425"/>
+                  <a:gd name="connsiteY2" fmla="*/ 361950 h 361950"/>
+                </a:gdLst>
+                <a:ahLst/>
+                <a:cxnLst>
+                  <a:cxn ang="0">
+                    <a:pos x="connsiteX0" y="connsiteY0"/>
+                  </a:cxn>
+                  <a:cxn ang="0">
+                    <a:pos x="connsiteX1" y="connsiteY1"/>
+                  </a:cxn>
+                  <a:cxn ang="0">
+                    <a:pos x="connsiteX2" y="connsiteY2"/>
+                  </a:cxn>
+                </a:cxnLst>
+                <a:rect l="l" t="t" r="r" b="b"/>
+                <a:pathLst>
+                  <a:path w="479425" h="361950">
+                    <a:moveTo>
+                      <a:pt x="0" y="355600"/>
+                    </a:moveTo>
+                    <a:lnTo>
+                      <a:pt x="241300" y="0"/>
+                    </a:lnTo>
+                    <a:lnTo>
+                      <a:pt x="479425" y="361950"/>
+                    </a:lnTo>
+                  </a:path>
+                </a:pathLst>
+              </a:custGeom>
+              <a:grpFill/>
+              <a:ln w="28575">
+                <a:solidFill>
+                  <a:schemeClr val="tx1"/>
+                </a:solidFill>
+              </a:ln>
+              <a:effectLst/>
+            </p:spPr>
+            <p:style>
+              <a:lnRef idx="1">
+                <a:schemeClr val="accent4"/>
+              </a:lnRef>
+              <a:fillRef idx="2">
+                <a:schemeClr val="accent4"/>
+              </a:fillRef>
+              <a:effectRef idx="1">
+                <a:schemeClr val="accent4"/>
+              </a:effectRef>
+              <a:fontRef idx="minor">
+                <a:schemeClr val="dk1"/>
+              </a:fontRef>
+            </p:style>
+            <p:txBody>
+              <a:bodyPr rtlCol="0" anchor="ctr"/>
+              <a:lstStyle/>
+              <a:p>
+                <a:pPr algn="ctr"/>
+                <a:endParaRPr lang="en-SG">
+                  <a:solidFill>
+                    <a:schemeClr val="tx1"/>
+                  </a:solidFill>
+                </a:endParaRPr>
+              </a:p>
+            </p:txBody>
+          </p:sp>
+          <p:cxnSp>
+            <p:nvCxnSpPr>
+              <p:cNvPr id="11" name="Straight Connector 10"/>
+              <p:cNvCxnSpPr/>
+              <p:nvPr/>
+            </p:nvCxnSpPr>
+            <p:spPr>
+              <a:xfrm>
+                <a:off x="3239901" y="4509120"/>
+                <a:ext cx="648072" cy="0"/>
+              </a:xfrm>
+              <a:prstGeom prst="line">
+                <a:avLst/>
+              </a:prstGeom>
+              <a:grpFill/>
+              <a:ln w="28575">
+                <a:solidFill>
+                  <a:schemeClr val="tx1"/>
+                </a:solidFill>
+              </a:ln>
+              <a:effectLst/>
+            </p:spPr>
+            <p:style>
+              <a:lnRef idx="1">
+                <a:schemeClr val="accent4"/>
+              </a:lnRef>
+              <a:fillRef idx="2">
+                <a:schemeClr val="accent4"/>
+              </a:fillRef>
+              <a:effectRef idx="1">
+                <a:schemeClr val="accent4"/>
+              </a:effectRef>
+              <a:fontRef idx="minor">
+                <a:schemeClr val="dk1"/>
+              </a:fontRef>
+            </p:style>
+          </p:cxnSp>
+        </p:grpSp>
         <p:sp>
           <p:nvSpPr>
-            <p:cNvPr id="59" name="Freeform 58"/>
+            <p:cNvPr id="16" name="Rectangle 62"/>
             <p:cNvSpPr/>
             <p:nvPr/>
           </p:nvSpPr>
           <p:spPr>
-            <a:xfrm rot="2600998" flipH="1" flipV="1">
-              <a:off x="1028134" y="5612032"/>
-              <a:ext cx="167452" cy="116880"/>
+            <a:xfrm>
+              <a:off x="3335583" y="611613"/>
+              <a:ext cx="1093635" cy="346760"/>
             </a:xfrm>
-            <a:custGeom>
+            <a:prstGeom prst="rect">
               <a:avLst/>
-              <a:gdLst>
-                <a:gd name="connsiteX0" fmla="*/ 0 w 226400"/>
-                <a:gd name="connsiteY0" fmla="*/ 32920 h 171466"/>
-                <a:gd name="connsiteX1" fmla="*/ 157018 w 226400"/>
-                <a:gd name="connsiteY1" fmla="*/ 5211 h 171466"/>
-                <a:gd name="connsiteX2" fmla="*/ 221673 w 226400"/>
-                <a:gd name="connsiteY2" fmla="*/ 125284 h 171466"/>
-                <a:gd name="connsiteX3" fmla="*/ 36945 w 226400"/>
-                <a:gd name="connsiteY3" fmla="*/ 171466 h 171466"/>
-              </a:gdLst>
-              <a:ahLst/>
-              <a:cxnLst>
-                <a:cxn ang="0">
-                  <a:pos x="connsiteX0" y="connsiteY0"/>
-                </a:cxn>
-                <a:cxn ang="0">
-                  <a:pos x="connsiteX1" y="connsiteY1"/>
-                </a:cxn>
-                <a:cxn ang="0">
-                  <a:pos x="connsiteX2" y="connsiteY2"/>
-                </a:cxn>
-                <a:cxn ang="0">
-                  <a:pos x="connsiteX3" y="connsiteY3"/>
-                </a:cxn>
-              </a:cxnLst>
-              <a:rect l="l" t="t" r="r" b="b"/>
-              <a:pathLst>
-                <a:path w="226400" h="171466">
-                  <a:moveTo>
-                    <a:pt x="0" y="32920"/>
-                  </a:moveTo>
-                  <a:cubicBezTo>
-                    <a:pt x="60036" y="11368"/>
-                    <a:pt x="120073" y="-10183"/>
-                    <a:pt x="157018" y="5211"/>
-                  </a:cubicBezTo>
-                  <a:cubicBezTo>
-                    <a:pt x="193963" y="20605"/>
-                    <a:pt x="241685" y="97575"/>
-                    <a:pt x="221673" y="125284"/>
-                  </a:cubicBezTo>
-                  <a:cubicBezTo>
-                    <a:pt x="201661" y="152993"/>
-                    <a:pt x="119303" y="162229"/>
-                    <a:pt x="36945" y="171466"/>
-                  </a:cubicBezTo>
-                </a:path>
-              </a:pathLst>
-            </a:custGeom>
-            <a:grpFill/>
+            </a:prstGeom>
+            <a:solidFill>
+              <a:schemeClr val="bg1"/>
+            </a:solidFill>
             <a:ln w="19050">
               <a:solidFill>
                 <a:schemeClr val="tx1"/>
               </a:solidFill>
-              <a:headEnd type="arrow" w="med" len="med"/>
-              <a:tailEnd type="none" w="med" len="med"/>
             </a:ln>
+            <a:effectLst/>
           </p:spPr>
           <p:style>
             <a:lnRef idx="1">
-              <a:schemeClr val="accent1"/>
+              <a:schemeClr val="accent2"/>
             </a:lnRef>
-            <a:fillRef idx="0">
-              <a:schemeClr val="accent1"/>
+            <a:fillRef idx="2">
+              <a:schemeClr val="accent2"/>
             </a:fillRef>
-            <a:effectRef idx="0">
-              <a:schemeClr val="accent1"/>
+            <a:effectRef idx="1">
+              <a:schemeClr val="accent2"/>
             </a:effectRef>
             <a:fontRef idx="minor">
-              <a:schemeClr val="tx1"/>
+              <a:schemeClr val="dk1"/>
             </a:fontRef>
           </p:style>
           <p:txBody>
@@ -5867,25 +3878,76 @@
             <a:lstStyle/>
             <a:p>
               <a:pPr algn="ctr"/>
-              <a:endParaRPr lang="en-SG"/>
+              <a:r>
+                <a:rPr lang="en-US" sz="1600" dirty="0">
+                  <a:solidFill>
+                    <a:schemeClr val="tx1"/>
+                  </a:solidFill>
+                </a:rPr>
+                <a:t>:Logic</a:t>
+              </a:r>
+              <a:endParaRPr lang="en-SG" sz="1600" dirty="0">
+                <a:solidFill>
+                  <a:schemeClr val="tx1"/>
+                </a:solidFill>
+              </a:endParaRPr>
             </a:p>
           </p:txBody>
         </p:sp>
+        <p:cxnSp>
+          <p:nvCxnSpPr>
+            <p:cNvPr id="17" name="Straight Connector 16"/>
+            <p:cNvCxnSpPr/>
+            <p:nvPr/>
+          </p:nvCxnSpPr>
+          <p:spPr>
+            <a:xfrm>
+              <a:off x="3882400" y="975284"/>
+              <a:ext cx="0" cy="1723059"/>
+            </a:xfrm>
+            <a:prstGeom prst="line">
+              <a:avLst/>
+            </a:prstGeom>
+            <a:ln w="19050">
+              <a:solidFill>
+                <a:schemeClr val="tx1"/>
+              </a:solidFill>
+              <a:prstDash val="sysDash"/>
+            </a:ln>
+            <a:effectLst/>
+          </p:spPr>
+          <p:style>
+            <a:lnRef idx="1">
+              <a:schemeClr val="accent1"/>
+            </a:lnRef>
+            <a:fillRef idx="2">
+              <a:schemeClr val="accent1"/>
+            </a:fillRef>
+            <a:effectRef idx="1">
+              <a:schemeClr val="accent1"/>
+            </a:effectRef>
+            <a:fontRef idx="minor">
+              <a:schemeClr val="dk1"/>
+            </a:fontRef>
+          </p:style>
+        </p:cxnSp>
         <p:sp>
           <p:nvSpPr>
-            <p:cNvPr id="60" name="Rectangle 59"/>
+            <p:cNvPr id="18" name="Rectangle 17"/>
             <p:cNvSpPr/>
             <p:nvPr/>
           </p:nvSpPr>
           <p:spPr>
             <a:xfrm>
-              <a:off x="1147403" y="5712513"/>
-              <a:ext cx="98080" cy="169591"/>
+              <a:off x="3810392" y="1433477"/>
+              <a:ext cx="144016" cy="832525"/>
             </a:xfrm>
             <a:prstGeom prst="rect">
               <a:avLst/>
             </a:prstGeom>
-            <a:grpFill/>
+            <a:solidFill>
+              <a:schemeClr val="bg1"/>
+            </a:solidFill>
             <a:ln>
               <a:solidFill>
                 <a:schemeClr val="tx1"/>
@@ -5920,50 +3982,2030 @@
             </a:p>
           </p:txBody>
         </p:sp>
-      </p:grpSp>
-      <p:sp>
-        <p:nvSpPr>
-          <p:cNvPr id="61" name="TextBox 60"/>
-          <p:cNvSpPr txBox="1"/>
-          <p:nvPr/>
-        </p:nvSpPr>
-        <p:spPr>
-          <a:xfrm>
-            <a:off x="8223953" y="5180992"/>
-            <a:ext cx="539047" cy="430887"/>
-          </a:xfrm>
-          <a:prstGeom prst="rect">
-            <a:avLst/>
-          </a:prstGeom>
-          <a:solidFill>
-            <a:schemeClr val="bg1"/>
-          </a:solidFill>
-          <a:ln>
+        <p:sp>
+          <p:nvSpPr>
+            <p:cNvPr id="19" name="Rectangle 62"/>
+            <p:cNvSpPr/>
+            <p:nvPr/>
+          </p:nvSpPr>
+          <p:spPr>
+            <a:xfrm>
+              <a:off x="5316783" y="607926"/>
+              <a:ext cx="1093635" cy="346760"/>
+            </a:xfrm>
+            <a:prstGeom prst="rect">
+              <a:avLst/>
+            </a:prstGeom>
             <a:solidFill>
               <a:schemeClr val="bg1"/>
             </a:solidFill>
-          </a:ln>
-        </p:spPr>
-        <p:txBody>
-          <a:bodyPr wrap="square" lIns="0" tIns="0" rIns="0" bIns="0" rtlCol="0">
-            <a:spAutoFit/>
-          </a:bodyPr>
-          <a:lstStyle/>
-          <a:p>
-            <a:r>
-              <a:rPr lang="en-US" sz="1400" dirty="0"/>
-              <a:t>Save </a:t>
-            </a:r>
-            <a:br>
-              <a:rPr lang="en-US" sz="1400" dirty="0"/>
-            </a:br>
-            <a:r>
-              <a:rPr lang="en-US" sz="1400" dirty="0"/>
-              <a:t>to file</a:t>
-            </a:r>
-          </a:p>
-        </p:txBody>
-      </p:sp>
+            <a:ln w="19050">
+              <a:solidFill>
+                <a:schemeClr val="tx1"/>
+              </a:solidFill>
+            </a:ln>
+            <a:effectLst/>
+          </p:spPr>
+          <p:style>
+            <a:lnRef idx="1">
+              <a:schemeClr val="accent2"/>
+            </a:lnRef>
+            <a:fillRef idx="2">
+              <a:schemeClr val="accent2"/>
+            </a:fillRef>
+            <a:effectRef idx="1">
+              <a:schemeClr val="accent2"/>
+            </a:effectRef>
+            <a:fontRef idx="minor">
+              <a:schemeClr val="dk1"/>
+            </a:fontRef>
+          </p:style>
+          <p:txBody>
+            <a:bodyPr rtlCol="0" anchor="ctr"/>
+            <a:lstStyle/>
+            <a:p>
+              <a:pPr algn="ctr"/>
+              <a:r>
+                <a:rPr lang="en-US" sz="1600" dirty="0">
+                  <a:solidFill>
+                    <a:schemeClr val="tx1"/>
+                  </a:solidFill>
+                </a:rPr>
+                <a:t>:Model</a:t>
+              </a:r>
+              <a:endParaRPr lang="en-SG" sz="1600" dirty="0">
+                <a:solidFill>
+                  <a:schemeClr val="tx1"/>
+                </a:solidFill>
+              </a:endParaRPr>
+            </a:p>
+          </p:txBody>
+        </p:sp>
+        <p:cxnSp>
+          <p:nvCxnSpPr>
+            <p:cNvPr id="20" name="Straight Connector 19"/>
+            <p:cNvCxnSpPr/>
+            <p:nvPr/>
+          </p:nvCxnSpPr>
+          <p:spPr>
+            <a:xfrm>
+              <a:off x="5863600" y="971597"/>
+              <a:ext cx="0" cy="1723059"/>
+            </a:xfrm>
+            <a:prstGeom prst="line">
+              <a:avLst/>
+            </a:prstGeom>
+            <a:ln w="19050">
+              <a:solidFill>
+                <a:schemeClr val="tx1"/>
+              </a:solidFill>
+              <a:prstDash val="sysDash"/>
+            </a:ln>
+            <a:effectLst/>
+          </p:spPr>
+          <p:style>
+            <a:lnRef idx="1">
+              <a:schemeClr val="accent1"/>
+            </a:lnRef>
+            <a:fillRef idx="2">
+              <a:schemeClr val="accent1"/>
+            </a:fillRef>
+            <a:effectRef idx="1">
+              <a:schemeClr val="accent1"/>
+            </a:effectRef>
+            <a:fontRef idx="minor">
+              <a:schemeClr val="dk1"/>
+            </a:fontRef>
+          </p:style>
+        </p:cxnSp>
+        <p:sp>
+          <p:nvSpPr>
+            <p:cNvPr id="21" name="Rectangle 20"/>
+            <p:cNvSpPr/>
+            <p:nvPr/>
+          </p:nvSpPr>
+          <p:spPr>
+            <a:xfrm>
+              <a:off x="5791592" y="1538408"/>
+              <a:ext cx="142006" cy="651394"/>
+            </a:xfrm>
+            <a:prstGeom prst="rect">
+              <a:avLst/>
+            </a:prstGeom>
+            <a:solidFill>
+              <a:schemeClr val="bg1"/>
+            </a:solidFill>
+            <a:ln>
+              <a:solidFill>
+                <a:schemeClr val="tx1"/>
+              </a:solidFill>
+            </a:ln>
+            <a:effectLst/>
+          </p:spPr>
+          <p:style>
+            <a:lnRef idx="1">
+              <a:schemeClr val="accent3"/>
+            </a:lnRef>
+            <a:fillRef idx="2">
+              <a:schemeClr val="accent3"/>
+            </a:fillRef>
+            <a:effectRef idx="1">
+              <a:schemeClr val="accent3"/>
+            </a:effectRef>
+            <a:fontRef idx="minor">
+              <a:schemeClr val="dk1"/>
+            </a:fontRef>
+          </p:style>
+          <p:txBody>
+            <a:bodyPr rtlCol="0" anchor="ctr"/>
+            <a:lstStyle/>
+            <a:p>
+              <a:pPr algn="ctr"/>
+              <a:endParaRPr lang="en-SG" sz="1400">
+                <a:solidFill>
+                  <a:schemeClr val="tx1"/>
+                </a:solidFill>
+              </a:endParaRPr>
+            </a:p>
+          </p:txBody>
+        </p:sp>
+        <p:cxnSp>
+          <p:nvCxnSpPr>
+            <p:cNvPr id="23" name="Straight Arrow Connector 22"/>
+            <p:cNvCxnSpPr/>
+            <p:nvPr/>
+          </p:nvCxnSpPr>
+          <p:spPr>
+            <a:xfrm>
+              <a:off x="466818" y="1325979"/>
+              <a:ext cx="1119851" cy="0"/>
+            </a:xfrm>
+            <a:prstGeom prst="straightConnector1">
+              <a:avLst/>
+            </a:prstGeom>
+            <a:ln w="19050">
+              <a:solidFill>
+                <a:schemeClr val="tx1"/>
+              </a:solidFill>
+              <a:tailEnd type="arrow"/>
+            </a:ln>
+          </p:spPr>
+          <p:style>
+            <a:lnRef idx="1">
+              <a:schemeClr val="accent1"/>
+            </a:lnRef>
+            <a:fillRef idx="0">
+              <a:schemeClr val="accent1"/>
+            </a:fillRef>
+            <a:effectRef idx="0">
+              <a:schemeClr val="accent1"/>
+            </a:effectRef>
+            <a:fontRef idx="minor">
+              <a:schemeClr val="tx1"/>
+            </a:fontRef>
+          </p:style>
+        </p:cxnSp>
+        <p:sp>
+          <p:nvSpPr>
+            <p:cNvPr id="24" name="TextBox 23"/>
+            <p:cNvSpPr txBox="1"/>
+            <p:nvPr/>
+          </p:nvSpPr>
+          <p:spPr>
+            <a:xfrm>
+              <a:off x="466818" y="1345880"/>
+              <a:ext cx="860170" cy="215444"/>
+            </a:xfrm>
+            <a:prstGeom prst="rect">
+              <a:avLst/>
+            </a:prstGeom>
+            <a:solidFill>
+              <a:schemeClr val="bg1"/>
+            </a:solidFill>
+            <a:ln>
+              <a:solidFill>
+                <a:schemeClr val="bg1"/>
+              </a:solidFill>
+            </a:ln>
+          </p:spPr>
+          <p:txBody>
+            <a:bodyPr wrap="square" lIns="0" tIns="0" rIns="0" bIns="0" rtlCol="0">
+              <a:spAutoFit/>
+            </a:bodyPr>
+            <a:lstStyle/>
+            <a:p>
+              <a:r>
+                <a:rPr lang="en-US" sz="1400" dirty="0" err="1"/>
+                <a:t>deletec</a:t>
+              </a:r>
+              <a:r>
+                <a:rPr lang="en-US" sz="1400" dirty="0"/>
+                <a:t> 1</a:t>
+              </a:r>
+            </a:p>
+          </p:txBody>
+        </p:sp>
+        <p:cxnSp>
+          <p:nvCxnSpPr>
+            <p:cNvPr id="25" name="Straight Arrow Connector 24"/>
+            <p:cNvCxnSpPr/>
+            <p:nvPr/>
+          </p:nvCxnSpPr>
+          <p:spPr>
+            <a:xfrm>
+              <a:off x="1739069" y="1433478"/>
+              <a:ext cx="2071323" cy="0"/>
+            </a:xfrm>
+            <a:prstGeom prst="straightConnector1">
+              <a:avLst/>
+            </a:prstGeom>
+            <a:ln w="19050">
+              <a:solidFill>
+                <a:schemeClr val="tx1"/>
+              </a:solidFill>
+              <a:tailEnd type="arrow"/>
+            </a:ln>
+          </p:spPr>
+          <p:style>
+            <a:lnRef idx="1">
+              <a:schemeClr val="accent1"/>
+            </a:lnRef>
+            <a:fillRef idx="0">
+              <a:schemeClr val="accent1"/>
+            </a:fillRef>
+            <a:effectRef idx="0">
+              <a:schemeClr val="accent1"/>
+            </a:effectRef>
+            <a:fontRef idx="minor">
+              <a:schemeClr val="tx1"/>
+            </a:fontRef>
+          </p:style>
+        </p:cxnSp>
+        <p:sp>
+          <p:nvSpPr>
+            <p:cNvPr id="26" name="TextBox 25"/>
+            <p:cNvSpPr txBox="1"/>
+            <p:nvPr/>
+          </p:nvSpPr>
+          <p:spPr>
+            <a:xfrm>
+              <a:off x="2166172" y="1453379"/>
+              <a:ext cx="1611856" cy="215444"/>
+            </a:xfrm>
+            <a:prstGeom prst="rect">
+              <a:avLst/>
+            </a:prstGeom>
+            <a:solidFill>
+              <a:schemeClr val="bg1"/>
+            </a:solidFill>
+            <a:ln>
+              <a:solidFill>
+                <a:schemeClr val="bg1"/>
+              </a:solidFill>
+            </a:ln>
+          </p:spPr>
+          <p:txBody>
+            <a:bodyPr wrap="square" lIns="0" tIns="0" rIns="0" bIns="0" rtlCol="0">
+              <a:spAutoFit/>
+            </a:bodyPr>
+            <a:lstStyle/>
+            <a:p>
+              <a:r>
+                <a:rPr lang="en-US" sz="1400" dirty="0"/>
+                <a:t>execute(“</a:t>
+              </a:r>
+              <a:r>
+                <a:rPr lang="en-US" sz="1400" dirty="0" err="1"/>
+                <a:t>deletec</a:t>
+              </a:r>
+              <a:r>
+                <a:rPr lang="en-US" sz="1400" dirty="0"/>
+                <a:t> 1”)</a:t>
+              </a:r>
+            </a:p>
+          </p:txBody>
+        </p:sp>
+        <p:cxnSp>
+          <p:nvCxnSpPr>
+            <p:cNvPr id="28" name="Straight Arrow Connector 27"/>
+            <p:cNvCxnSpPr/>
+            <p:nvPr/>
+          </p:nvCxnSpPr>
+          <p:spPr>
+            <a:xfrm>
+              <a:off x="3954408" y="1538409"/>
+              <a:ext cx="1837184" cy="0"/>
+            </a:xfrm>
+            <a:prstGeom prst="straightConnector1">
+              <a:avLst/>
+            </a:prstGeom>
+            <a:ln w="19050">
+              <a:solidFill>
+                <a:schemeClr val="tx1"/>
+              </a:solidFill>
+              <a:tailEnd type="arrow"/>
+            </a:ln>
+          </p:spPr>
+          <p:style>
+            <a:lnRef idx="1">
+              <a:schemeClr val="accent1"/>
+            </a:lnRef>
+            <a:fillRef idx="0">
+              <a:schemeClr val="accent1"/>
+            </a:fillRef>
+            <a:effectRef idx="0">
+              <a:schemeClr val="accent1"/>
+            </a:effectRef>
+            <a:fontRef idx="minor">
+              <a:schemeClr val="tx1"/>
+            </a:fontRef>
+          </p:style>
+        </p:cxnSp>
+        <p:sp>
+          <p:nvSpPr>
+            <p:cNvPr id="29" name="TextBox 28"/>
+            <p:cNvSpPr txBox="1"/>
+            <p:nvPr/>
+          </p:nvSpPr>
+          <p:spPr>
+            <a:xfrm>
+              <a:off x="4299772" y="1564835"/>
+              <a:ext cx="1424846" cy="215444"/>
+            </a:xfrm>
+            <a:prstGeom prst="rect">
+              <a:avLst/>
+            </a:prstGeom>
+            <a:solidFill>
+              <a:schemeClr val="bg1"/>
+            </a:solidFill>
+            <a:ln>
+              <a:solidFill>
+                <a:schemeClr val="bg1"/>
+              </a:solidFill>
+            </a:ln>
+          </p:spPr>
+          <p:txBody>
+            <a:bodyPr wrap="square" lIns="0" tIns="0" rIns="0" bIns="0" rtlCol="0">
+              <a:spAutoFit/>
+            </a:bodyPr>
+            <a:lstStyle/>
+            <a:p>
+              <a:r>
+                <a:rPr lang="en-US" sz="1400" dirty="0" err="1"/>
+                <a:t>deleteCard</a:t>
+              </a:r>
+              <a:r>
+                <a:rPr lang="en-US" sz="1400" dirty="0"/>
+                <a:t>(p)</a:t>
+              </a:r>
+            </a:p>
+          </p:txBody>
+        </p:sp>
+        <p:sp>
+          <p:nvSpPr>
+            <p:cNvPr id="33" name="TextBox 32"/>
+            <p:cNvSpPr txBox="1"/>
+            <p:nvPr/>
+          </p:nvSpPr>
+          <p:spPr>
+            <a:xfrm>
+              <a:off x="6074030" y="1687656"/>
+              <a:ext cx="2438400" cy="215444"/>
+            </a:xfrm>
+            <a:prstGeom prst="rect">
+              <a:avLst/>
+            </a:prstGeom>
+            <a:solidFill>
+              <a:schemeClr val="bg1"/>
+            </a:solidFill>
+            <a:ln>
+              <a:solidFill>
+                <a:schemeClr val="bg1"/>
+              </a:solidFill>
+            </a:ln>
+          </p:spPr>
+          <p:txBody>
+            <a:bodyPr wrap="square" lIns="0" tIns="0" rIns="0" bIns="0" rtlCol="0">
+              <a:spAutoFit/>
+            </a:bodyPr>
+            <a:lstStyle/>
+            <a:p>
+              <a:r>
+                <a:rPr lang="en-US" sz="1400" dirty="0"/>
+                <a:t>post(</a:t>
+              </a:r>
+              <a:r>
+                <a:rPr lang="en-US" sz="1400" dirty="0" err="1"/>
+                <a:t>CardBankChangedEvent</a:t>
+              </a:r>
+              <a:r>
+                <a:rPr lang="en-US" sz="1400" dirty="0"/>
+                <a:t>)</a:t>
+              </a:r>
+            </a:p>
+          </p:txBody>
+        </p:sp>
+        <p:cxnSp>
+          <p:nvCxnSpPr>
+            <p:cNvPr id="34" name="Straight Arrow Connector 33"/>
+            <p:cNvCxnSpPr/>
+            <p:nvPr/>
+          </p:nvCxnSpPr>
+          <p:spPr>
+            <a:xfrm>
+              <a:off x="3954408" y="2190681"/>
+              <a:ext cx="1837184" cy="0"/>
+            </a:xfrm>
+            <a:prstGeom prst="straightConnector1">
+              <a:avLst/>
+            </a:prstGeom>
+            <a:ln w="19050">
+              <a:solidFill>
+                <a:schemeClr val="tx1"/>
+              </a:solidFill>
+              <a:prstDash val="sysDash"/>
+              <a:headEnd type="arrow" w="med" len="med"/>
+              <a:tailEnd type="none" w="med" len="med"/>
+            </a:ln>
+          </p:spPr>
+          <p:style>
+            <a:lnRef idx="1">
+              <a:schemeClr val="accent1"/>
+            </a:lnRef>
+            <a:fillRef idx="0">
+              <a:schemeClr val="accent1"/>
+            </a:fillRef>
+            <a:effectRef idx="0">
+              <a:schemeClr val="accent1"/>
+            </a:effectRef>
+            <a:fontRef idx="minor">
+              <a:schemeClr val="tx1"/>
+            </a:fontRef>
+          </p:style>
+        </p:cxnSp>
+        <p:cxnSp>
+          <p:nvCxnSpPr>
+            <p:cNvPr id="35" name="Straight Arrow Connector 34"/>
+            <p:cNvCxnSpPr/>
+            <p:nvPr/>
+          </p:nvCxnSpPr>
+          <p:spPr>
+            <a:xfrm>
+              <a:off x="1739069" y="2266002"/>
+              <a:ext cx="2058118" cy="0"/>
+            </a:xfrm>
+            <a:prstGeom prst="straightConnector1">
+              <a:avLst/>
+            </a:prstGeom>
+            <a:ln w="19050">
+              <a:solidFill>
+                <a:schemeClr val="tx1"/>
+              </a:solidFill>
+              <a:prstDash val="sysDash"/>
+              <a:headEnd type="arrow" w="med" len="med"/>
+              <a:tailEnd type="none" w="med" len="med"/>
+            </a:ln>
+          </p:spPr>
+          <p:style>
+            <a:lnRef idx="1">
+              <a:schemeClr val="accent1"/>
+            </a:lnRef>
+            <a:fillRef idx="0">
+              <a:schemeClr val="accent1"/>
+            </a:fillRef>
+            <a:effectRef idx="0">
+              <a:schemeClr val="accent1"/>
+            </a:effectRef>
+            <a:fontRef idx="minor">
+              <a:schemeClr val="tx1"/>
+            </a:fontRef>
+          </p:style>
+        </p:cxnSp>
+        <p:cxnSp>
+          <p:nvCxnSpPr>
+            <p:cNvPr id="37" name="Straight Arrow Connector 36"/>
+            <p:cNvCxnSpPr/>
+            <p:nvPr/>
+          </p:nvCxnSpPr>
+          <p:spPr>
+            <a:xfrm>
+              <a:off x="390618" y="2342202"/>
+              <a:ext cx="1196051" cy="0"/>
+            </a:xfrm>
+            <a:prstGeom prst="straightConnector1">
+              <a:avLst/>
+            </a:prstGeom>
+            <a:ln w="19050">
+              <a:solidFill>
+                <a:schemeClr val="tx1"/>
+              </a:solidFill>
+              <a:prstDash val="sysDash"/>
+              <a:headEnd type="arrow" w="med" len="med"/>
+              <a:tailEnd type="none" w="med" len="med"/>
+            </a:ln>
+          </p:spPr>
+          <p:style>
+            <a:lnRef idx="1">
+              <a:schemeClr val="accent1"/>
+            </a:lnRef>
+            <a:fillRef idx="0">
+              <a:schemeClr val="accent1"/>
+            </a:fillRef>
+            <a:effectRef idx="0">
+              <a:schemeClr val="accent1"/>
+            </a:effectRef>
+            <a:fontRef idx="minor">
+              <a:schemeClr val="tx1"/>
+            </a:fontRef>
+          </p:style>
+        </p:cxnSp>
+        <p:sp>
+          <p:nvSpPr>
+            <p:cNvPr id="39" name="Rectangle 62"/>
+            <p:cNvSpPr/>
+            <p:nvPr/>
+          </p:nvSpPr>
+          <p:spPr>
+            <a:xfrm>
+              <a:off x="7696200" y="591251"/>
+              <a:ext cx="1371600" cy="346760"/>
+            </a:xfrm>
+            <a:prstGeom prst="rect">
+              <a:avLst/>
+            </a:prstGeom>
+            <a:solidFill>
+              <a:schemeClr val="bg1"/>
+            </a:solidFill>
+            <a:ln w="19050">
+              <a:solidFill>
+                <a:schemeClr val="tx1"/>
+              </a:solidFill>
+            </a:ln>
+            <a:effectLst/>
+          </p:spPr>
+          <p:style>
+            <a:lnRef idx="1">
+              <a:schemeClr val="accent2"/>
+            </a:lnRef>
+            <a:fillRef idx="2">
+              <a:schemeClr val="accent2"/>
+            </a:fillRef>
+            <a:effectRef idx="1">
+              <a:schemeClr val="accent2"/>
+            </a:effectRef>
+            <a:fontRef idx="minor">
+              <a:schemeClr val="dk1"/>
+            </a:fontRef>
+          </p:style>
+          <p:txBody>
+            <a:bodyPr rtlCol="0" anchor="ctr"/>
+            <a:lstStyle/>
+            <a:p>
+              <a:pPr algn="ctr"/>
+              <a:r>
+                <a:rPr lang="en-US" sz="1600" dirty="0">
+                  <a:solidFill>
+                    <a:schemeClr val="tx1"/>
+                  </a:solidFill>
+                </a:rPr>
+                <a:t>:</a:t>
+              </a:r>
+              <a:r>
+                <a:rPr lang="en-US" sz="1600" dirty="0" err="1">
+                  <a:solidFill>
+                    <a:schemeClr val="tx1"/>
+                  </a:solidFill>
+                </a:rPr>
+                <a:t>EventsCenter</a:t>
+              </a:r>
+              <a:endParaRPr lang="en-SG" sz="1600" dirty="0">
+                <a:solidFill>
+                  <a:schemeClr val="tx1"/>
+                </a:solidFill>
+              </a:endParaRPr>
+            </a:p>
+          </p:txBody>
+        </p:sp>
+        <p:cxnSp>
+          <p:nvCxnSpPr>
+            <p:cNvPr id="40" name="Straight Connector 39"/>
+            <p:cNvCxnSpPr/>
+            <p:nvPr/>
+          </p:nvCxnSpPr>
+          <p:spPr>
+            <a:xfrm>
+              <a:off x="8616802" y="944305"/>
+              <a:ext cx="0" cy="1723059"/>
+            </a:xfrm>
+            <a:prstGeom prst="line">
+              <a:avLst/>
+            </a:prstGeom>
+            <a:ln w="19050">
+              <a:solidFill>
+                <a:schemeClr val="tx1"/>
+              </a:solidFill>
+              <a:prstDash val="sysDash"/>
+            </a:ln>
+            <a:effectLst/>
+          </p:spPr>
+          <p:style>
+            <a:lnRef idx="1">
+              <a:schemeClr val="accent1"/>
+            </a:lnRef>
+            <a:fillRef idx="2">
+              <a:schemeClr val="accent1"/>
+            </a:fillRef>
+            <a:effectRef idx="1">
+              <a:schemeClr val="accent1"/>
+            </a:effectRef>
+            <a:fontRef idx="minor">
+              <a:schemeClr val="dk1"/>
+            </a:fontRef>
+          </p:style>
+        </p:cxnSp>
+        <p:sp>
+          <p:nvSpPr>
+            <p:cNvPr id="41" name="Rectangle 40"/>
+            <p:cNvSpPr/>
+            <p:nvPr/>
+          </p:nvSpPr>
+          <p:spPr>
+            <a:xfrm>
+              <a:off x="8544794" y="1961202"/>
+              <a:ext cx="142006" cy="176787"/>
+            </a:xfrm>
+            <a:prstGeom prst="rect">
+              <a:avLst/>
+            </a:prstGeom>
+            <a:solidFill>
+              <a:schemeClr val="bg1"/>
+            </a:solidFill>
+            <a:ln>
+              <a:solidFill>
+                <a:schemeClr val="tx1"/>
+              </a:solidFill>
+            </a:ln>
+            <a:effectLst/>
+          </p:spPr>
+          <p:style>
+            <a:lnRef idx="1">
+              <a:schemeClr val="accent3"/>
+            </a:lnRef>
+            <a:fillRef idx="2">
+              <a:schemeClr val="accent3"/>
+            </a:fillRef>
+            <a:effectRef idx="1">
+              <a:schemeClr val="accent3"/>
+            </a:effectRef>
+            <a:fontRef idx="minor">
+              <a:schemeClr val="dk1"/>
+            </a:fontRef>
+          </p:style>
+          <p:txBody>
+            <a:bodyPr rtlCol="0" anchor="ctr"/>
+            <a:lstStyle/>
+            <a:p>
+              <a:pPr algn="ctr"/>
+              <a:endParaRPr lang="en-SG" sz="1400">
+                <a:solidFill>
+                  <a:schemeClr val="tx1"/>
+                </a:solidFill>
+              </a:endParaRPr>
+            </a:p>
+          </p:txBody>
+        </p:sp>
+        <p:cxnSp>
+          <p:nvCxnSpPr>
+            <p:cNvPr id="42" name="Straight Arrow Connector 41"/>
+            <p:cNvCxnSpPr/>
+            <p:nvPr/>
+          </p:nvCxnSpPr>
+          <p:spPr>
+            <a:xfrm>
+              <a:off x="5943992" y="1961202"/>
+              <a:ext cx="2568438" cy="0"/>
+            </a:xfrm>
+            <a:prstGeom prst="straightConnector1">
+              <a:avLst/>
+            </a:prstGeom>
+            <a:ln w="19050">
+              <a:solidFill>
+                <a:schemeClr val="tx1"/>
+              </a:solidFill>
+              <a:tailEnd type="arrow"/>
+            </a:ln>
+          </p:spPr>
+          <p:style>
+            <a:lnRef idx="1">
+              <a:schemeClr val="accent1"/>
+            </a:lnRef>
+            <a:fillRef idx="0">
+              <a:schemeClr val="accent1"/>
+            </a:fillRef>
+            <a:effectRef idx="0">
+              <a:schemeClr val="accent1"/>
+            </a:effectRef>
+            <a:fontRef idx="minor">
+              <a:schemeClr val="tx1"/>
+            </a:fontRef>
+          </p:style>
+        </p:cxnSp>
+        <p:cxnSp>
+          <p:nvCxnSpPr>
+            <p:cNvPr id="44" name="Straight Arrow Connector 43"/>
+            <p:cNvCxnSpPr/>
+            <p:nvPr/>
+          </p:nvCxnSpPr>
+          <p:spPr>
+            <a:xfrm>
+              <a:off x="5943992" y="2137989"/>
+              <a:ext cx="2549946" cy="0"/>
+            </a:xfrm>
+            <a:prstGeom prst="straightConnector1">
+              <a:avLst/>
+            </a:prstGeom>
+            <a:ln w="19050">
+              <a:solidFill>
+                <a:schemeClr val="tx1"/>
+              </a:solidFill>
+              <a:prstDash val="sysDash"/>
+              <a:headEnd type="arrow" w="med" len="med"/>
+              <a:tailEnd type="none" w="med" len="med"/>
+            </a:ln>
+          </p:spPr>
+          <p:style>
+            <a:lnRef idx="1">
+              <a:schemeClr val="accent1"/>
+            </a:lnRef>
+            <a:fillRef idx="0">
+              <a:schemeClr val="accent1"/>
+            </a:fillRef>
+            <a:effectRef idx="0">
+              <a:schemeClr val="accent1"/>
+            </a:effectRef>
+            <a:fontRef idx="minor">
+              <a:schemeClr val="tx1"/>
+            </a:fontRef>
+          </p:style>
+        </p:cxnSp>
+        <p:cxnSp>
+          <p:nvCxnSpPr>
+            <p:cNvPr id="85" name="Straight Connector 84"/>
+            <p:cNvCxnSpPr/>
+            <p:nvPr/>
+          </p:nvCxnSpPr>
+          <p:spPr>
+            <a:xfrm flipH="1">
+              <a:off x="314394" y="1099672"/>
+              <a:ext cx="24" cy="1598671"/>
+            </a:xfrm>
+            <a:prstGeom prst="line">
+              <a:avLst/>
+            </a:prstGeom>
+            <a:ln w="19050">
+              <a:solidFill>
+                <a:schemeClr val="tx1"/>
+              </a:solidFill>
+              <a:prstDash val="sysDash"/>
+            </a:ln>
+            <a:effectLst/>
+          </p:spPr>
+          <p:style>
+            <a:lnRef idx="1">
+              <a:schemeClr val="accent1"/>
+            </a:lnRef>
+            <a:fillRef idx="2">
+              <a:schemeClr val="accent1"/>
+            </a:fillRef>
+            <a:effectRef idx="1">
+              <a:schemeClr val="accent1"/>
+            </a:effectRef>
+            <a:fontRef idx="minor">
+              <a:schemeClr val="dk1"/>
+            </a:fontRef>
+          </p:style>
+        </p:cxnSp>
+      </p:grpSp>
+      <p:grpSp>
+        <p:nvGrpSpPr>
+          <p:cNvPr id="4" name="Group 3">
+            <a:extLst>
+              <a:ext uri="{FF2B5EF4-FFF2-40B4-BE49-F238E27FC236}">
+                <a16:creationId xmlns:a16="http://schemas.microsoft.com/office/drawing/2014/main" id="{9FFFFBF2-B5FA-1346-A494-EDC17C3C3D2A}"/>
+              </a:ext>
+            </a:extLst>
+          </p:cNvPr>
+          <p:cNvGrpSpPr/>
+          <p:nvPr/>
+        </p:nvGrpSpPr>
+        <p:grpSpPr>
+          <a:xfrm>
+            <a:off x="194562" y="4278322"/>
+            <a:ext cx="8568438" cy="2093024"/>
+            <a:chOff x="194562" y="4278322"/>
+            <a:chExt cx="8568438" cy="2093024"/>
+          </a:xfrm>
+        </p:grpSpPr>
+        <p:sp>
+          <p:nvSpPr>
+            <p:cNvPr id="53" name="Rectangle 62"/>
+            <p:cNvSpPr/>
+            <p:nvPr/>
+          </p:nvSpPr>
+          <p:spPr>
+            <a:xfrm>
+              <a:off x="7370178" y="4278322"/>
+              <a:ext cx="1093635" cy="346760"/>
+            </a:xfrm>
+            <a:prstGeom prst="rect">
+              <a:avLst/>
+            </a:prstGeom>
+            <a:solidFill>
+              <a:schemeClr val="bg1"/>
+            </a:solidFill>
+            <a:ln w="19050">
+              <a:solidFill>
+                <a:schemeClr val="tx1"/>
+              </a:solidFill>
+            </a:ln>
+            <a:effectLst/>
+          </p:spPr>
+          <p:style>
+            <a:lnRef idx="1">
+              <a:schemeClr val="accent2"/>
+            </a:lnRef>
+            <a:fillRef idx="2">
+              <a:schemeClr val="accent2"/>
+            </a:fillRef>
+            <a:effectRef idx="1">
+              <a:schemeClr val="accent2"/>
+            </a:effectRef>
+            <a:fontRef idx="minor">
+              <a:schemeClr val="dk1"/>
+            </a:fontRef>
+          </p:style>
+          <p:txBody>
+            <a:bodyPr rtlCol="0" anchor="ctr"/>
+            <a:lstStyle/>
+            <a:p>
+              <a:pPr algn="ctr"/>
+              <a:r>
+                <a:rPr lang="en-US" sz="1600" dirty="0">
+                  <a:solidFill>
+                    <a:schemeClr val="tx1"/>
+                  </a:solidFill>
+                </a:rPr>
+                <a:t>:Storage</a:t>
+              </a:r>
+              <a:endParaRPr lang="en-SG" sz="1600" dirty="0">
+                <a:solidFill>
+                  <a:schemeClr val="tx1"/>
+                </a:solidFill>
+              </a:endParaRPr>
+            </a:p>
+          </p:txBody>
+        </p:sp>
+        <p:cxnSp>
+          <p:nvCxnSpPr>
+            <p:cNvPr id="54" name="Straight Connector 53"/>
+            <p:cNvCxnSpPr/>
+            <p:nvPr/>
+          </p:nvCxnSpPr>
+          <p:spPr>
+            <a:xfrm>
+              <a:off x="7916995" y="4641993"/>
+              <a:ext cx="0" cy="1723059"/>
+            </a:xfrm>
+            <a:prstGeom prst="line">
+              <a:avLst/>
+            </a:prstGeom>
+            <a:ln w="19050">
+              <a:solidFill>
+                <a:schemeClr val="tx1"/>
+              </a:solidFill>
+              <a:prstDash val="sysDash"/>
+            </a:ln>
+            <a:effectLst/>
+          </p:spPr>
+          <p:style>
+            <a:lnRef idx="1">
+              <a:schemeClr val="accent1"/>
+            </a:lnRef>
+            <a:fillRef idx="2">
+              <a:schemeClr val="accent1"/>
+            </a:fillRef>
+            <a:effectRef idx="1">
+              <a:schemeClr val="accent1"/>
+            </a:effectRef>
+            <a:fontRef idx="minor">
+              <a:schemeClr val="dk1"/>
+            </a:fontRef>
+          </p:style>
+        </p:cxnSp>
+        <p:sp>
+          <p:nvSpPr>
+            <p:cNvPr id="55" name="Rectangle 54"/>
+            <p:cNvSpPr/>
+            <p:nvPr/>
+          </p:nvSpPr>
+          <p:spPr>
+            <a:xfrm>
+              <a:off x="7844987" y="5335662"/>
+              <a:ext cx="124478" cy="287409"/>
+            </a:xfrm>
+            <a:prstGeom prst="rect">
+              <a:avLst/>
+            </a:prstGeom>
+            <a:solidFill>
+              <a:schemeClr val="bg1"/>
+            </a:solidFill>
+            <a:ln>
+              <a:solidFill>
+                <a:schemeClr val="tx1"/>
+              </a:solidFill>
+            </a:ln>
+            <a:effectLst/>
+          </p:spPr>
+          <p:style>
+            <a:lnRef idx="1">
+              <a:schemeClr val="accent3"/>
+            </a:lnRef>
+            <a:fillRef idx="2">
+              <a:schemeClr val="accent3"/>
+            </a:fillRef>
+            <a:effectRef idx="1">
+              <a:schemeClr val="accent3"/>
+            </a:effectRef>
+            <a:fontRef idx="minor">
+              <a:schemeClr val="dk1"/>
+            </a:fontRef>
+          </p:style>
+          <p:txBody>
+            <a:bodyPr rtlCol="0" anchor="ctr"/>
+            <a:lstStyle/>
+            <a:p>
+              <a:pPr algn="ctr"/>
+              <a:endParaRPr lang="en-SG" sz="1400">
+                <a:solidFill>
+                  <a:schemeClr val="tx1"/>
+                </a:solidFill>
+              </a:endParaRPr>
+            </a:p>
+          </p:txBody>
+        </p:sp>
+        <p:sp>
+          <p:nvSpPr>
+            <p:cNvPr id="62" name="TextBox 61"/>
+            <p:cNvSpPr txBox="1"/>
+            <p:nvPr/>
+          </p:nvSpPr>
+          <p:spPr>
+            <a:xfrm>
+              <a:off x="1810094" y="4797674"/>
+              <a:ext cx="2716635" cy="215444"/>
+            </a:xfrm>
+            <a:prstGeom prst="rect">
+              <a:avLst/>
+            </a:prstGeom>
+            <a:solidFill>
+              <a:schemeClr val="bg1"/>
+            </a:solidFill>
+            <a:ln>
+              <a:solidFill>
+                <a:schemeClr val="bg1"/>
+              </a:solidFill>
+            </a:ln>
+          </p:spPr>
+          <p:txBody>
+            <a:bodyPr wrap="square" lIns="0" tIns="0" rIns="0" bIns="0" rtlCol="0">
+              <a:spAutoFit/>
+            </a:bodyPr>
+            <a:lstStyle/>
+            <a:p>
+              <a:r>
+                <a:rPr lang="en-US" sz="1400" dirty="0"/>
+                <a:t>post(</a:t>
+              </a:r>
+              <a:r>
+                <a:rPr lang="en-US" sz="1400" dirty="0" err="1"/>
+                <a:t>CardBankChangedEvent</a:t>
+              </a:r>
+              <a:r>
+                <a:rPr lang="en-US" sz="1400" dirty="0"/>
+                <a:t>)</a:t>
+              </a:r>
+            </a:p>
+          </p:txBody>
+        </p:sp>
+        <p:cxnSp>
+          <p:nvCxnSpPr>
+            <p:cNvPr id="63" name="Straight Arrow Connector 62"/>
+            <p:cNvCxnSpPr/>
+            <p:nvPr/>
+          </p:nvCxnSpPr>
+          <p:spPr>
+            <a:xfrm flipH="1">
+              <a:off x="4526729" y="5623071"/>
+              <a:ext cx="3383941" cy="0"/>
+            </a:xfrm>
+            <a:prstGeom prst="straightConnector1">
+              <a:avLst/>
+            </a:prstGeom>
+            <a:ln w="19050">
+              <a:solidFill>
+                <a:schemeClr val="tx1"/>
+              </a:solidFill>
+              <a:prstDash val="sysDash"/>
+              <a:headEnd type="none" w="med" len="med"/>
+              <a:tailEnd type="arrow" w="med" len="med"/>
+            </a:ln>
+          </p:spPr>
+          <p:style>
+            <a:lnRef idx="1">
+              <a:schemeClr val="accent1"/>
+            </a:lnRef>
+            <a:fillRef idx="0">
+              <a:schemeClr val="accent1"/>
+            </a:fillRef>
+            <a:effectRef idx="0">
+              <a:schemeClr val="accent1"/>
+            </a:effectRef>
+            <a:fontRef idx="minor">
+              <a:schemeClr val="tx1"/>
+            </a:fontRef>
+          </p:style>
+        </p:cxnSp>
+        <p:sp>
+          <p:nvSpPr>
+            <p:cNvPr id="66" name="Rectangle 62"/>
+            <p:cNvSpPr/>
+            <p:nvPr/>
+          </p:nvSpPr>
+          <p:spPr>
+            <a:xfrm>
+              <a:off x="3791146" y="4295233"/>
+              <a:ext cx="1371600" cy="346760"/>
+            </a:xfrm>
+            <a:prstGeom prst="rect">
+              <a:avLst/>
+            </a:prstGeom>
+            <a:solidFill>
+              <a:schemeClr val="bg1"/>
+            </a:solidFill>
+            <a:ln w="19050">
+              <a:solidFill>
+                <a:schemeClr val="tx1"/>
+              </a:solidFill>
+            </a:ln>
+            <a:effectLst/>
+          </p:spPr>
+          <p:style>
+            <a:lnRef idx="1">
+              <a:schemeClr val="accent2"/>
+            </a:lnRef>
+            <a:fillRef idx="2">
+              <a:schemeClr val="accent2"/>
+            </a:fillRef>
+            <a:effectRef idx="1">
+              <a:schemeClr val="accent2"/>
+            </a:effectRef>
+            <a:fontRef idx="minor">
+              <a:schemeClr val="dk1"/>
+            </a:fontRef>
+          </p:style>
+          <p:txBody>
+            <a:bodyPr rtlCol="0" anchor="ctr"/>
+            <a:lstStyle/>
+            <a:p>
+              <a:pPr algn="ctr"/>
+              <a:r>
+                <a:rPr lang="en-US" sz="1600" dirty="0">
+                  <a:solidFill>
+                    <a:schemeClr val="tx1"/>
+                  </a:solidFill>
+                </a:rPr>
+                <a:t>:</a:t>
+              </a:r>
+              <a:r>
+                <a:rPr lang="en-US" sz="1600" dirty="0" err="1">
+                  <a:solidFill>
+                    <a:schemeClr val="tx1"/>
+                  </a:solidFill>
+                </a:rPr>
+                <a:t>EventsCenter</a:t>
+              </a:r>
+              <a:endParaRPr lang="en-SG" sz="1600" dirty="0">
+                <a:solidFill>
+                  <a:schemeClr val="tx1"/>
+                </a:solidFill>
+              </a:endParaRPr>
+            </a:p>
+          </p:txBody>
+        </p:sp>
+        <p:cxnSp>
+          <p:nvCxnSpPr>
+            <p:cNvPr id="67" name="Straight Connector 66"/>
+            <p:cNvCxnSpPr/>
+            <p:nvPr/>
+          </p:nvCxnSpPr>
+          <p:spPr>
+            <a:xfrm>
+              <a:off x="4456731" y="4648287"/>
+              <a:ext cx="0" cy="1723059"/>
+            </a:xfrm>
+            <a:prstGeom prst="line">
+              <a:avLst/>
+            </a:prstGeom>
+            <a:ln w="19050">
+              <a:solidFill>
+                <a:schemeClr val="tx1"/>
+              </a:solidFill>
+              <a:prstDash val="sysDash"/>
+            </a:ln>
+            <a:effectLst/>
+          </p:spPr>
+          <p:style>
+            <a:lnRef idx="1">
+              <a:schemeClr val="accent1"/>
+            </a:lnRef>
+            <a:fillRef idx="2">
+              <a:schemeClr val="accent1"/>
+            </a:fillRef>
+            <a:effectRef idx="1">
+              <a:schemeClr val="accent1"/>
+            </a:effectRef>
+            <a:fontRef idx="minor">
+              <a:schemeClr val="dk1"/>
+            </a:fontRef>
+          </p:style>
+        </p:cxnSp>
+        <p:sp>
+          <p:nvSpPr>
+            <p:cNvPr id="68" name="Rectangle 67"/>
+            <p:cNvSpPr/>
+            <p:nvPr/>
+          </p:nvSpPr>
+          <p:spPr>
+            <a:xfrm>
+              <a:off x="4384723" y="5071220"/>
+              <a:ext cx="142006" cy="1036757"/>
+            </a:xfrm>
+            <a:prstGeom prst="rect">
+              <a:avLst/>
+            </a:prstGeom>
+            <a:solidFill>
+              <a:schemeClr val="bg1"/>
+            </a:solidFill>
+            <a:ln>
+              <a:solidFill>
+                <a:schemeClr val="tx1"/>
+              </a:solidFill>
+            </a:ln>
+            <a:effectLst/>
+          </p:spPr>
+          <p:style>
+            <a:lnRef idx="1">
+              <a:schemeClr val="accent3"/>
+            </a:lnRef>
+            <a:fillRef idx="2">
+              <a:schemeClr val="accent3"/>
+            </a:fillRef>
+            <a:effectRef idx="1">
+              <a:schemeClr val="accent3"/>
+            </a:effectRef>
+            <a:fontRef idx="minor">
+              <a:schemeClr val="dk1"/>
+            </a:fontRef>
+          </p:style>
+          <p:txBody>
+            <a:bodyPr rtlCol="0" anchor="ctr"/>
+            <a:lstStyle/>
+            <a:p>
+              <a:pPr algn="ctr"/>
+              <a:endParaRPr lang="en-SG" sz="1400">
+                <a:solidFill>
+                  <a:schemeClr val="tx1"/>
+                </a:solidFill>
+              </a:endParaRPr>
+            </a:p>
+          </p:txBody>
+        </p:sp>
+        <p:cxnSp>
+          <p:nvCxnSpPr>
+            <p:cNvPr id="69" name="Straight Arrow Connector 68"/>
+            <p:cNvCxnSpPr/>
+            <p:nvPr/>
+          </p:nvCxnSpPr>
+          <p:spPr>
+            <a:xfrm>
+              <a:off x="3078929" y="5071220"/>
+              <a:ext cx="1295400" cy="0"/>
+            </a:xfrm>
+            <a:prstGeom prst="straightConnector1">
+              <a:avLst/>
+            </a:prstGeom>
+            <a:ln w="19050">
+              <a:solidFill>
+                <a:schemeClr val="tx1"/>
+              </a:solidFill>
+              <a:tailEnd type="arrow"/>
+            </a:ln>
+          </p:spPr>
+          <p:style>
+            <a:lnRef idx="1">
+              <a:schemeClr val="accent1"/>
+            </a:lnRef>
+            <a:fillRef idx="0">
+              <a:schemeClr val="accent1"/>
+            </a:fillRef>
+            <a:effectRef idx="0">
+              <a:schemeClr val="accent1"/>
+            </a:effectRef>
+            <a:fontRef idx="minor">
+              <a:schemeClr val="tx1"/>
+            </a:fontRef>
+          </p:style>
+        </p:cxnSp>
+        <p:cxnSp>
+          <p:nvCxnSpPr>
+            <p:cNvPr id="70" name="Straight Arrow Connector 69"/>
+            <p:cNvCxnSpPr/>
+            <p:nvPr/>
+          </p:nvCxnSpPr>
+          <p:spPr>
+            <a:xfrm>
+              <a:off x="2975642" y="6107977"/>
+              <a:ext cx="1448755" cy="0"/>
+            </a:xfrm>
+            <a:prstGeom prst="straightConnector1">
+              <a:avLst/>
+            </a:prstGeom>
+            <a:ln w="19050">
+              <a:solidFill>
+                <a:schemeClr val="tx1"/>
+              </a:solidFill>
+              <a:prstDash val="sysDash"/>
+              <a:headEnd type="arrow" w="med" len="med"/>
+              <a:tailEnd type="none" w="med" len="med"/>
+            </a:ln>
+          </p:spPr>
+          <p:style>
+            <a:lnRef idx="1">
+              <a:schemeClr val="accent1"/>
+            </a:lnRef>
+            <a:fillRef idx="0">
+              <a:schemeClr val="accent1"/>
+            </a:fillRef>
+            <a:effectRef idx="0">
+              <a:schemeClr val="accent1"/>
+            </a:effectRef>
+            <a:fontRef idx="minor">
+              <a:schemeClr val="tx1"/>
+            </a:fontRef>
+          </p:style>
+        </p:cxnSp>
+        <p:cxnSp>
+          <p:nvCxnSpPr>
+            <p:cNvPr id="72" name="Straight Arrow Connector 71"/>
+            <p:cNvCxnSpPr/>
+            <p:nvPr/>
+          </p:nvCxnSpPr>
+          <p:spPr>
+            <a:xfrm>
+              <a:off x="4526729" y="5341014"/>
+              <a:ext cx="3318258" cy="0"/>
+            </a:xfrm>
+            <a:prstGeom prst="straightConnector1">
+              <a:avLst/>
+            </a:prstGeom>
+            <a:ln w="19050">
+              <a:solidFill>
+                <a:schemeClr val="tx1"/>
+              </a:solidFill>
+              <a:headEnd type="none" w="med" len="med"/>
+              <a:tailEnd type="arrow" w="med" len="med"/>
+            </a:ln>
+          </p:spPr>
+          <p:style>
+            <a:lnRef idx="1">
+              <a:schemeClr val="accent1"/>
+            </a:lnRef>
+            <a:fillRef idx="0">
+              <a:schemeClr val="accent1"/>
+            </a:fillRef>
+            <a:effectRef idx="0">
+              <a:schemeClr val="accent1"/>
+            </a:effectRef>
+            <a:fontRef idx="minor">
+              <a:schemeClr val="tx1"/>
+            </a:fontRef>
+          </p:style>
+        </p:cxnSp>
+        <p:sp>
+          <p:nvSpPr>
+            <p:cNvPr id="74" name="TextBox 73"/>
+            <p:cNvSpPr txBox="1"/>
+            <p:nvPr/>
+          </p:nvSpPr>
+          <p:spPr>
+            <a:xfrm>
+              <a:off x="5036330" y="5065911"/>
+              <a:ext cx="2659870" cy="215444"/>
+            </a:xfrm>
+            <a:prstGeom prst="rect">
+              <a:avLst/>
+            </a:prstGeom>
+            <a:solidFill>
+              <a:schemeClr val="bg1"/>
+            </a:solidFill>
+            <a:ln>
+              <a:solidFill>
+                <a:schemeClr val="bg1"/>
+              </a:solidFill>
+            </a:ln>
+          </p:spPr>
+          <p:txBody>
+            <a:bodyPr wrap="square" lIns="0" tIns="0" rIns="0" bIns="0" rtlCol="0">
+              <a:spAutoFit/>
+            </a:bodyPr>
+            <a:lstStyle/>
+            <a:p>
+              <a:r>
+                <a:rPr lang="en-US" sz="1400" dirty="0" err="1"/>
+                <a:t>handleCardBankChangedEvent</a:t>
+              </a:r>
+              <a:r>
+                <a:rPr lang="en-US" sz="1400" dirty="0"/>
+                <a:t>()</a:t>
+              </a:r>
+            </a:p>
+          </p:txBody>
+        </p:sp>
+        <p:sp>
+          <p:nvSpPr>
+            <p:cNvPr id="45" name="Rectangle 62"/>
+            <p:cNvSpPr/>
+            <p:nvPr/>
+          </p:nvSpPr>
+          <p:spPr>
+            <a:xfrm>
+              <a:off x="721634" y="4278322"/>
+              <a:ext cx="1093635" cy="346760"/>
+            </a:xfrm>
+            <a:prstGeom prst="rect">
+              <a:avLst/>
+            </a:prstGeom>
+            <a:solidFill>
+              <a:schemeClr val="bg1"/>
+            </a:solidFill>
+            <a:ln w="19050">
+              <a:solidFill>
+                <a:schemeClr val="tx1"/>
+              </a:solidFill>
+            </a:ln>
+            <a:effectLst/>
+          </p:spPr>
+          <p:style>
+            <a:lnRef idx="1">
+              <a:schemeClr val="accent2"/>
+            </a:lnRef>
+            <a:fillRef idx="2">
+              <a:schemeClr val="accent2"/>
+            </a:fillRef>
+            <a:effectRef idx="1">
+              <a:schemeClr val="accent2"/>
+            </a:effectRef>
+            <a:fontRef idx="minor">
+              <a:schemeClr val="dk1"/>
+            </a:fontRef>
+          </p:style>
+          <p:txBody>
+            <a:bodyPr rtlCol="0" anchor="ctr"/>
+            <a:lstStyle/>
+            <a:p>
+              <a:pPr algn="ctr"/>
+              <a:r>
+                <a:rPr lang="en-US" sz="1600" dirty="0">
+                  <a:solidFill>
+                    <a:schemeClr val="tx1"/>
+                  </a:solidFill>
+                </a:rPr>
+                <a:t>:UI</a:t>
+              </a:r>
+              <a:endParaRPr lang="en-SG" sz="1600" dirty="0">
+                <a:solidFill>
+                  <a:schemeClr val="tx1"/>
+                </a:solidFill>
+              </a:endParaRPr>
+            </a:p>
+          </p:txBody>
+        </p:sp>
+        <p:cxnSp>
+          <p:nvCxnSpPr>
+            <p:cNvPr id="46" name="Straight Connector 45"/>
+            <p:cNvCxnSpPr/>
+            <p:nvPr/>
+          </p:nvCxnSpPr>
+          <p:spPr>
+            <a:xfrm>
+              <a:off x="1268451" y="4641993"/>
+              <a:ext cx="0" cy="1723059"/>
+            </a:xfrm>
+            <a:prstGeom prst="line">
+              <a:avLst/>
+            </a:prstGeom>
+            <a:ln w="19050">
+              <a:solidFill>
+                <a:schemeClr val="tx1"/>
+              </a:solidFill>
+              <a:prstDash val="sysDash"/>
+            </a:ln>
+            <a:effectLst/>
+          </p:spPr>
+          <p:style>
+            <a:lnRef idx="1">
+              <a:schemeClr val="accent1"/>
+            </a:lnRef>
+            <a:fillRef idx="2">
+              <a:schemeClr val="accent1"/>
+            </a:fillRef>
+            <a:effectRef idx="1">
+              <a:schemeClr val="accent1"/>
+            </a:effectRef>
+            <a:fontRef idx="minor">
+              <a:schemeClr val="dk1"/>
+            </a:fontRef>
+          </p:style>
+        </p:cxnSp>
+        <p:sp>
+          <p:nvSpPr>
+            <p:cNvPr id="47" name="Rectangle 46"/>
+            <p:cNvSpPr/>
+            <p:nvPr/>
+          </p:nvSpPr>
+          <p:spPr>
+            <a:xfrm>
+              <a:off x="1196443" y="5670472"/>
+              <a:ext cx="130545" cy="273128"/>
+            </a:xfrm>
+            <a:prstGeom prst="rect">
+              <a:avLst/>
+            </a:prstGeom>
+            <a:solidFill>
+              <a:schemeClr val="bg1"/>
+            </a:solidFill>
+            <a:ln>
+              <a:solidFill>
+                <a:schemeClr val="tx1"/>
+              </a:solidFill>
+            </a:ln>
+            <a:effectLst/>
+          </p:spPr>
+          <p:style>
+            <a:lnRef idx="1">
+              <a:schemeClr val="accent3"/>
+            </a:lnRef>
+            <a:fillRef idx="2">
+              <a:schemeClr val="accent3"/>
+            </a:fillRef>
+            <a:effectRef idx="1">
+              <a:schemeClr val="accent3"/>
+            </a:effectRef>
+            <a:fontRef idx="minor">
+              <a:schemeClr val="dk1"/>
+            </a:fontRef>
+          </p:style>
+          <p:txBody>
+            <a:bodyPr rtlCol="0" anchor="ctr"/>
+            <a:lstStyle/>
+            <a:p>
+              <a:pPr algn="ctr"/>
+              <a:endParaRPr lang="en-SG" sz="1400">
+                <a:solidFill>
+                  <a:schemeClr val="tx1"/>
+                </a:solidFill>
+              </a:endParaRPr>
+            </a:p>
+          </p:txBody>
+        </p:sp>
+        <p:cxnSp>
+          <p:nvCxnSpPr>
+            <p:cNvPr id="48" name="Straight Arrow Connector 47"/>
+            <p:cNvCxnSpPr/>
+            <p:nvPr/>
+          </p:nvCxnSpPr>
+          <p:spPr>
+            <a:xfrm flipH="1">
+              <a:off x="1348843" y="5943600"/>
+              <a:ext cx="3061842" cy="0"/>
+            </a:xfrm>
+            <a:prstGeom prst="straightConnector1">
+              <a:avLst/>
+            </a:prstGeom>
+            <a:ln w="19050">
+              <a:solidFill>
+                <a:schemeClr val="tx1"/>
+              </a:solidFill>
+              <a:prstDash val="sysDash"/>
+              <a:headEnd type="arrow" w="med" len="med"/>
+              <a:tailEnd type="none" w="med" len="med"/>
+            </a:ln>
+          </p:spPr>
+          <p:style>
+            <a:lnRef idx="1">
+              <a:schemeClr val="accent1"/>
+            </a:lnRef>
+            <a:fillRef idx="0">
+              <a:schemeClr val="accent1"/>
+            </a:fillRef>
+            <a:effectRef idx="0">
+              <a:schemeClr val="accent1"/>
+            </a:effectRef>
+            <a:fontRef idx="minor">
+              <a:schemeClr val="tx1"/>
+            </a:fontRef>
+          </p:style>
+        </p:cxnSp>
+        <p:cxnSp>
+          <p:nvCxnSpPr>
+            <p:cNvPr id="49" name="Straight Arrow Connector 48"/>
+            <p:cNvCxnSpPr/>
+            <p:nvPr/>
+          </p:nvCxnSpPr>
+          <p:spPr>
+            <a:xfrm>
+              <a:off x="1348843" y="5670472"/>
+              <a:ext cx="3061841" cy="0"/>
+            </a:xfrm>
+            <a:prstGeom prst="straightConnector1">
+              <a:avLst/>
+            </a:prstGeom>
+            <a:ln w="19050">
+              <a:solidFill>
+                <a:schemeClr val="tx1"/>
+              </a:solidFill>
+              <a:headEnd type="arrow" w="med" len="med"/>
+              <a:tailEnd type="none" w="med" len="med"/>
+            </a:ln>
+          </p:spPr>
+          <p:style>
+            <a:lnRef idx="1">
+              <a:schemeClr val="accent1"/>
+            </a:lnRef>
+            <a:fillRef idx="0">
+              <a:schemeClr val="accent1"/>
+            </a:fillRef>
+            <a:effectRef idx="0">
+              <a:schemeClr val="accent1"/>
+            </a:effectRef>
+            <a:fontRef idx="minor">
+              <a:schemeClr val="tx1"/>
+            </a:fontRef>
+          </p:style>
+        </p:cxnSp>
+        <p:sp>
+          <p:nvSpPr>
+            <p:cNvPr id="50" name="TextBox 49"/>
+            <p:cNvSpPr txBox="1"/>
+            <p:nvPr/>
+          </p:nvSpPr>
+          <p:spPr>
+            <a:xfrm>
+              <a:off x="1416276" y="5395369"/>
+              <a:ext cx="2659870" cy="215444"/>
+            </a:xfrm>
+            <a:prstGeom prst="rect">
+              <a:avLst/>
+            </a:prstGeom>
+            <a:solidFill>
+              <a:schemeClr val="bg1"/>
+            </a:solidFill>
+            <a:ln>
+              <a:solidFill>
+                <a:schemeClr val="bg1"/>
+              </a:solidFill>
+            </a:ln>
+          </p:spPr>
+          <p:txBody>
+            <a:bodyPr wrap="square" lIns="0" tIns="0" rIns="0" bIns="0" rtlCol="0">
+              <a:spAutoFit/>
+            </a:bodyPr>
+            <a:lstStyle/>
+            <a:p>
+              <a:r>
+                <a:rPr lang="en-US" sz="1400" dirty="0" err="1"/>
+                <a:t>handleCardBankChangedEvent</a:t>
+              </a:r>
+              <a:r>
+                <a:rPr lang="en-US" sz="1400" dirty="0"/>
+                <a:t>()</a:t>
+              </a:r>
+            </a:p>
+          </p:txBody>
+        </p:sp>
+        <p:grpSp>
+          <p:nvGrpSpPr>
+            <p:cNvPr id="13" name="Group 12"/>
+            <p:cNvGrpSpPr/>
+            <p:nvPr/>
+          </p:nvGrpSpPr>
+          <p:grpSpPr>
+            <a:xfrm>
+              <a:off x="1028134" y="5612032"/>
+              <a:ext cx="217349" cy="270072"/>
+              <a:chOff x="1028134" y="5612032"/>
+              <a:chExt cx="217349" cy="270072"/>
+            </a:xfrm>
+            <a:solidFill>
+              <a:schemeClr val="bg1"/>
+            </a:solidFill>
+          </p:grpSpPr>
+          <p:sp>
+            <p:nvSpPr>
+              <p:cNvPr id="12" name="Freeform 11"/>
+              <p:cNvSpPr/>
+              <p:nvPr/>
+            </p:nvSpPr>
+            <p:spPr>
+              <a:xfrm rot="2600998" flipH="1" flipV="1">
+                <a:off x="1028134" y="5612032"/>
+                <a:ext cx="167452" cy="116880"/>
+              </a:xfrm>
+              <a:custGeom>
+                <a:avLst/>
+                <a:gdLst>
+                  <a:gd name="connsiteX0" fmla="*/ 0 w 226400"/>
+                  <a:gd name="connsiteY0" fmla="*/ 32920 h 171466"/>
+                  <a:gd name="connsiteX1" fmla="*/ 157018 w 226400"/>
+                  <a:gd name="connsiteY1" fmla="*/ 5211 h 171466"/>
+                  <a:gd name="connsiteX2" fmla="*/ 221673 w 226400"/>
+                  <a:gd name="connsiteY2" fmla="*/ 125284 h 171466"/>
+                  <a:gd name="connsiteX3" fmla="*/ 36945 w 226400"/>
+                  <a:gd name="connsiteY3" fmla="*/ 171466 h 171466"/>
+                </a:gdLst>
+                <a:ahLst/>
+                <a:cxnLst>
+                  <a:cxn ang="0">
+                    <a:pos x="connsiteX0" y="connsiteY0"/>
+                  </a:cxn>
+                  <a:cxn ang="0">
+                    <a:pos x="connsiteX1" y="connsiteY1"/>
+                  </a:cxn>
+                  <a:cxn ang="0">
+                    <a:pos x="connsiteX2" y="connsiteY2"/>
+                  </a:cxn>
+                  <a:cxn ang="0">
+                    <a:pos x="connsiteX3" y="connsiteY3"/>
+                  </a:cxn>
+                </a:cxnLst>
+                <a:rect l="l" t="t" r="r" b="b"/>
+                <a:pathLst>
+                  <a:path w="226400" h="171466">
+                    <a:moveTo>
+                      <a:pt x="0" y="32920"/>
+                    </a:moveTo>
+                    <a:cubicBezTo>
+                      <a:pt x="60036" y="11368"/>
+                      <a:pt x="120073" y="-10183"/>
+                      <a:pt x="157018" y="5211"/>
+                    </a:cubicBezTo>
+                    <a:cubicBezTo>
+                      <a:pt x="193963" y="20605"/>
+                      <a:pt x="241685" y="97575"/>
+                      <a:pt x="221673" y="125284"/>
+                    </a:cubicBezTo>
+                    <a:cubicBezTo>
+                      <a:pt x="201661" y="152993"/>
+                      <a:pt x="119303" y="162229"/>
+                      <a:pt x="36945" y="171466"/>
+                    </a:cubicBezTo>
+                  </a:path>
+                </a:pathLst>
+              </a:custGeom>
+              <a:grpFill/>
+              <a:ln w="19050">
+                <a:solidFill>
+                  <a:schemeClr val="tx1"/>
+                </a:solidFill>
+                <a:headEnd type="arrow" w="med" len="med"/>
+                <a:tailEnd type="none" w="med" len="med"/>
+              </a:ln>
+            </p:spPr>
+            <p:style>
+              <a:lnRef idx="1">
+                <a:schemeClr val="accent1"/>
+              </a:lnRef>
+              <a:fillRef idx="0">
+                <a:schemeClr val="accent1"/>
+              </a:fillRef>
+              <a:effectRef idx="0">
+                <a:schemeClr val="accent1"/>
+              </a:effectRef>
+              <a:fontRef idx="minor">
+                <a:schemeClr val="tx1"/>
+              </a:fontRef>
+            </p:style>
+            <p:txBody>
+              <a:bodyPr rtlCol="0" anchor="ctr"/>
+              <a:lstStyle/>
+              <a:p>
+                <a:pPr algn="ctr"/>
+                <a:endParaRPr lang="en-SG"/>
+              </a:p>
+            </p:txBody>
+          </p:sp>
+          <p:sp>
+            <p:nvSpPr>
+              <p:cNvPr id="56" name="Rectangle 55"/>
+              <p:cNvSpPr/>
+              <p:nvPr/>
+            </p:nvSpPr>
+            <p:spPr>
+              <a:xfrm>
+                <a:off x="1147403" y="5712513"/>
+                <a:ext cx="98080" cy="169591"/>
+              </a:xfrm>
+              <a:prstGeom prst="rect">
+                <a:avLst/>
+              </a:prstGeom>
+              <a:grpFill/>
+              <a:ln>
+                <a:solidFill>
+                  <a:schemeClr val="tx1"/>
+                </a:solidFill>
+              </a:ln>
+              <a:effectLst/>
+            </p:spPr>
+            <p:style>
+              <a:lnRef idx="1">
+                <a:schemeClr val="accent3"/>
+              </a:lnRef>
+              <a:fillRef idx="2">
+                <a:schemeClr val="accent3"/>
+              </a:fillRef>
+              <a:effectRef idx="1">
+                <a:schemeClr val="accent3"/>
+              </a:effectRef>
+              <a:fontRef idx="minor">
+                <a:schemeClr val="dk1"/>
+              </a:fontRef>
+            </p:style>
+            <p:txBody>
+              <a:bodyPr rtlCol="0" anchor="ctr"/>
+              <a:lstStyle/>
+              <a:p>
+                <a:pPr algn="ctr"/>
+                <a:endParaRPr lang="en-SG" sz="1400">
+                  <a:solidFill>
+                    <a:schemeClr val="tx1"/>
+                  </a:solidFill>
+                </a:endParaRPr>
+              </a:p>
+            </p:txBody>
+          </p:sp>
+        </p:grpSp>
+        <p:sp>
+          <p:nvSpPr>
+            <p:cNvPr id="57" name="TextBox 56"/>
+            <p:cNvSpPr txBox="1"/>
+            <p:nvPr/>
+          </p:nvSpPr>
+          <p:spPr>
+            <a:xfrm>
+              <a:off x="194562" y="5444571"/>
+              <a:ext cx="794081" cy="430887"/>
+            </a:xfrm>
+            <a:prstGeom prst="rect">
+              <a:avLst/>
+            </a:prstGeom>
+            <a:solidFill>
+              <a:schemeClr val="bg1"/>
+            </a:solidFill>
+            <a:ln>
+              <a:solidFill>
+                <a:schemeClr val="bg1"/>
+              </a:solidFill>
+            </a:ln>
+          </p:spPr>
+          <p:txBody>
+            <a:bodyPr wrap="square" lIns="0" tIns="0" rIns="0" bIns="0" rtlCol="0">
+              <a:spAutoFit/>
+            </a:bodyPr>
+            <a:lstStyle/>
+            <a:p>
+              <a:pPr algn="r"/>
+              <a:r>
+                <a:rPr lang="en-US" sz="1400" dirty="0"/>
+                <a:t>Update status bar</a:t>
+              </a:r>
+            </a:p>
+          </p:txBody>
+        </p:sp>
+        <p:grpSp>
+          <p:nvGrpSpPr>
+            <p:cNvPr id="58" name="Group 57"/>
+            <p:cNvGrpSpPr/>
+            <p:nvPr/>
+          </p:nvGrpSpPr>
+          <p:grpSpPr>
+            <a:xfrm flipH="1">
+              <a:off x="7936842" y="5335662"/>
+              <a:ext cx="217349" cy="270072"/>
+              <a:chOff x="1028134" y="5612032"/>
+              <a:chExt cx="217349" cy="270072"/>
+            </a:xfrm>
+            <a:solidFill>
+              <a:schemeClr val="bg1"/>
+            </a:solidFill>
+          </p:grpSpPr>
+          <p:sp>
+            <p:nvSpPr>
+              <p:cNvPr id="59" name="Freeform 58"/>
+              <p:cNvSpPr/>
+              <p:nvPr/>
+            </p:nvSpPr>
+            <p:spPr>
+              <a:xfrm rot="2600998" flipH="1" flipV="1">
+                <a:off x="1028134" y="5612032"/>
+                <a:ext cx="167452" cy="116880"/>
+              </a:xfrm>
+              <a:custGeom>
+                <a:avLst/>
+                <a:gdLst>
+                  <a:gd name="connsiteX0" fmla="*/ 0 w 226400"/>
+                  <a:gd name="connsiteY0" fmla="*/ 32920 h 171466"/>
+                  <a:gd name="connsiteX1" fmla="*/ 157018 w 226400"/>
+                  <a:gd name="connsiteY1" fmla="*/ 5211 h 171466"/>
+                  <a:gd name="connsiteX2" fmla="*/ 221673 w 226400"/>
+                  <a:gd name="connsiteY2" fmla="*/ 125284 h 171466"/>
+                  <a:gd name="connsiteX3" fmla="*/ 36945 w 226400"/>
+                  <a:gd name="connsiteY3" fmla="*/ 171466 h 171466"/>
+                </a:gdLst>
+                <a:ahLst/>
+                <a:cxnLst>
+                  <a:cxn ang="0">
+                    <a:pos x="connsiteX0" y="connsiteY0"/>
+                  </a:cxn>
+                  <a:cxn ang="0">
+                    <a:pos x="connsiteX1" y="connsiteY1"/>
+                  </a:cxn>
+                  <a:cxn ang="0">
+                    <a:pos x="connsiteX2" y="connsiteY2"/>
+                  </a:cxn>
+                  <a:cxn ang="0">
+                    <a:pos x="connsiteX3" y="connsiteY3"/>
+                  </a:cxn>
+                </a:cxnLst>
+                <a:rect l="l" t="t" r="r" b="b"/>
+                <a:pathLst>
+                  <a:path w="226400" h="171466">
+                    <a:moveTo>
+                      <a:pt x="0" y="32920"/>
+                    </a:moveTo>
+                    <a:cubicBezTo>
+                      <a:pt x="60036" y="11368"/>
+                      <a:pt x="120073" y="-10183"/>
+                      <a:pt x="157018" y="5211"/>
+                    </a:cubicBezTo>
+                    <a:cubicBezTo>
+                      <a:pt x="193963" y="20605"/>
+                      <a:pt x="241685" y="97575"/>
+                      <a:pt x="221673" y="125284"/>
+                    </a:cubicBezTo>
+                    <a:cubicBezTo>
+                      <a:pt x="201661" y="152993"/>
+                      <a:pt x="119303" y="162229"/>
+                      <a:pt x="36945" y="171466"/>
+                    </a:cubicBezTo>
+                  </a:path>
+                </a:pathLst>
+              </a:custGeom>
+              <a:grpFill/>
+              <a:ln w="19050">
+                <a:solidFill>
+                  <a:schemeClr val="tx1"/>
+                </a:solidFill>
+                <a:headEnd type="arrow" w="med" len="med"/>
+                <a:tailEnd type="none" w="med" len="med"/>
+              </a:ln>
+            </p:spPr>
+            <p:style>
+              <a:lnRef idx="1">
+                <a:schemeClr val="accent1"/>
+              </a:lnRef>
+              <a:fillRef idx="0">
+                <a:schemeClr val="accent1"/>
+              </a:fillRef>
+              <a:effectRef idx="0">
+                <a:schemeClr val="accent1"/>
+              </a:effectRef>
+              <a:fontRef idx="minor">
+                <a:schemeClr val="tx1"/>
+              </a:fontRef>
+            </p:style>
+            <p:txBody>
+              <a:bodyPr rtlCol="0" anchor="ctr"/>
+              <a:lstStyle/>
+              <a:p>
+                <a:pPr algn="ctr"/>
+                <a:endParaRPr lang="en-SG"/>
+              </a:p>
+            </p:txBody>
+          </p:sp>
+          <p:sp>
+            <p:nvSpPr>
+              <p:cNvPr id="60" name="Rectangle 59"/>
+              <p:cNvSpPr/>
+              <p:nvPr/>
+            </p:nvSpPr>
+            <p:spPr>
+              <a:xfrm>
+                <a:off x="1147403" y="5712513"/>
+                <a:ext cx="98080" cy="169591"/>
+              </a:xfrm>
+              <a:prstGeom prst="rect">
+                <a:avLst/>
+              </a:prstGeom>
+              <a:grpFill/>
+              <a:ln>
+                <a:solidFill>
+                  <a:schemeClr val="tx1"/>
+                </a:solidFill>
+              </a:ln>
+              <a:effectLst/>
+            </p:spPr>
+            <p:style>
+              <a:lnRef idx="1">
+                <a:schemeClr val="accent3"/>
+              </a:lnRef>
+              <a:fillRef idx="2">
+                <a:schemeClr val="accent3"/>
+              </a:fillRef>
+              <a:effectRef idx="1">
+                <a:schemeClr val="accent3"/>
+              </a:effectRef>
+              <a:fontRef idx="minor">
+                <a:schemeClr val="dk1"/>
+              </a:fontRef>
+            </p:style>
+            <p:txBody>
+              <a:bodyPr rtlCol="0" anchor="ctr"/>
+              <a:lstStyle/>
+              <a:p>
+                <a:pPr algn="ctr"/>
+                <a:endParaRPr lang="en-SG" sz="1400">
+                  <a:solidFill>
+                    <a:schemeClr val="tx1"/>
+                  </a:solidFill>
+                </a:endParaRPr>
+              </a:p>
+            </p:txBody>
+          </p:sp>
+        </p:grpSp>
+        <p:sp>
+          <p:nvSpPr>
+            <p:cNvPr id="61" name="TextBox 60"/>
+            <p:cNvSpPr txBox="1"/>
+            <p:nvPr/>
+          </p:nvSpPr>
+          <p:spPr>
+            <a:xfrm>
+              <a:off x="8223953" y="5180992"/>
+              <a:ext cx="539047" cy="430887"/>
+            </a:xfrm>
+            <a:prstGeom prst="rect">
+              <a:avLst/>
+            </a:prstGeom>
+            <a:solidFill>
+              <a:schemeClr val="bg1"/>
+            </a:solidFill>
+            <a:ln>
+              <a:solidFill>
+                <a:schemeClr val="bg1"/>
+              </a:solidFill>
+            </a:ln>
+          </p:spPr>
+          <p:txBody>
+            <a:bodyPr wrap="square" lIns="0" tIns="0" rIns="0" bIns="0" rtlCol="0">
+              <a:spAutoFit/>
+            </a:bodyPr>
+            <a:lstStyle/>
+            <a:p>
+              <a:r>
+                <a:rPr lang="en-US" sz="1400" dirty="0"/>
+                <a:t>Save </a:t>
+              </a:r>
+              <a:br>
+                <a:rPr lang="en-US" sz="1400" dirty="0"/>
+              </a:br>
+              <a:r>
+                <a:rPr lang="en-US" sz="1400" dirty="0"/>
+                <a:t>to file</a:t>
+              </a:r>
+            </a:p>
+          </p:txBody>
+        </p:sp>
+      </p:grpSp>
     </p:spTree>
     <p:extLst>
       <p:ext uri="{BB962C8B-B14F-4D97-AF65-F5344CB8AC3E}">
